--- a/Pitch_PowerPoint.pptx
+++ b/Pitch_PowerPoint.pptx
@@ -18,24 +18,23 @@
     <p:sldId id="263" r:id="rId13"/>
     <p:sldId id="264" r:id="rId14"/>
     <p:sldId id="265" r:id="rId15"/>
-    <p:sldId id="266" r:id="rId16"/>
   </p:sldIdLst>
   <p:sldSz cy="5143500" cx="9144000"/>
   <p:notesSz cx="6858000" cy="9144000"/>
   <p:embeddedFontLst>
     <p:embeddedFont>
       <p:font typeface="Montserrat"/>
-      <p:regular r:id="rId17"/>
-      <p:bold r:id="rId18"/>
-      <p:italic r:id="rId19"/>
-      <p:boldItalic r:id="rId20"/>
+      <p:regular r:id="rId16"/>
+      <p:bold r:id="rId17"/>
+      <p:italic r:id="rId18"/>
+      <p:boldItalic r:id="rId19"/>
     </p:embeddedFont>
     <p:embeddedFont>
       <p:font typeface="Lato"/>
-      <p:regular r:id="rId21"/>
-      <p:bold r:id="rId22"/>
-      <p:italic r:id="rId23"/>
-      <p:boldItalic r:id="rId24"/>
+      <p:regular r:id="rId20"/>
+      <p:bold r:id="rId21"/>
+      <p:italic r:id="rId22"/>
+      <p:boldItalic r:id="rId23"/>
     </p:embeddedFont>
   </p:embeddedFontLst>
   <p:defaultTextStyle>
@@ -830,7 +829,7 @@
       </p:grpSpPr>
       <p:sp>
         <p:nvSpPr>
-          <p:cNvPr id="185" name="Google Shape;185;g7e339a7de6_0_150:notes"/>
+          <p:cNvPr id="185" name="Google Shape;185;g7e339a7de6_0_155:notes"/>
           <p:cNvSpPr/>
           <p:nvPr>
             <p:ph idx="2" type="sldImg"/>
@@ -865,106 +864,7 @@
       </p:sp>
       <p:sp>
         <p:nvSpPr>
-          <p:cNvPr id="186" name="Google Shape;186;g7e339a7de6_0_150:notes"/>
-          <p:cNvSpPr txBox="1"/>
-          <p:nvPr>
-            <p:ph idx="1" type="body"/>
-          </p:nvPr>
-        </p:nvSpPr>
-        <p:spPr>
-          <a:xfrm>
-            <a:off x="685800" y="4343400"/>
-            <a:ext cx="5486400" cy="4114800"/>
-          </a:xfrm>
-          <a:prstGeom prst="rect">
-            <a:avLst/>
-          </a:prstGeom>
-        </p:spPr>
-        <p:txBody>
-          <a:bodyPr anchorCtr="0" anchor="t" bIns="91425" lIns="91425" spcFirstLastPara="1" rIns="91425" wrap="square" tIns="91425">
-            <a:noAutofit/>
-          </a:bodyPr>
-          <a:lstStyle/>
-          <a:p>
-            <a:pPr indent="0" lvl="0" marL="0" rtl="0" algn="l">
-              <a:spcBef>
-                <a:spcPts val="0"/>
-              </a:spcBef>
-              <a:spcAft>
-                <a:spcPts val="0"/>
-              </a:spcAft>
-              <a:buNone/>
-            </a:pPr>
-            <a:r>
-              <a:t/>
-            </a:r>
-            <a:endParaRPr/>
-          </a:p>
-        </p:txBody>
-      </p:sp>
-    </p:spTree>
-  </p:cSld>
-  <p:clrMapOvr>
-    <a:masterClrMapping/>
-  </p:clrMapOvr>
-</p:notes>
-</file>
-
-<file path=ppt/notesSlides/notesSlide11.xml><?xml version="1.0" encoding="utf-8"?>
-<p:notes xmlns:a="http://schemas.openxmlformats.org/drawingml/2006/main" xmlns:r="http://schemas.openxmlformats.org/officeDocument/2006/relationships" xmlns:mc="http://schemas.openxmlformats.org/markup-compatibility/2006" xmlns:mv="urn:schemas-microsoft-com:mac:vml" xmlns:p="http://schemas.openxmlformats.org/presentationml/2006/main" xmlns:c="http://schemas.openxmlformats.org/drawingml/2006/chart" xmlns:dgm="http://schemas.openxmlformats.org/drawingml/2006/diagram" xmlns:o="urn:schemas-microsoft-com:office:office" xmlns:v="urn:schemas-microsoft-com:vml" xmlns:pvml="urn:schemas-microsoft-com:office:powerpoint" xmlns:com="http://schemas.openxmlformats.org/drawingml/2006/compatibility" xmlns:p14="http://schemas.microsoft.com/office/powerpoint/2010/main" xmlns:p15="http://schemas.microsoft.com/office/powerpoint/2012/main" showMasterPhAnim="0" showMasterSp="0">
-  <p:cSld>
-    <p:spTree>
-      <p:nvGrpSpPr>
-        <p:cNvPr id="190" name="Shape 190"/>
-        <p:cNvGrpSpPr/>
-        <p:nvPr/>
-      </p:nvGrpSpPr>
-      <p:grpSpPr>
-        <a:xfrm>
-          <a:off x="0" y="0"/>
-          <a:ext cx="0" cy="0"/>
-          <a:chOff x="0" y="0"/>
-          <a:chExt cx="0" cy="0"/>
-        </a:xfrm>
-      </p:grpSpPr>
-      <p:sp>
-        <p:nvSpPr>
-          <p:cNvPr id="191" name="Google Shape;191;g7e339a7de6_0_155:notes"/>
-          <p:cNvSpPr/>
-          <p:nvPr>
-            <p:ph idx="2" type="sldImg"/>
-          </p:nvPr>
-        </p:nvSpPr>
-        <p:spPr>
-          <a:xfrm>
-            <a:off x="381300" y="685800"/>
-            <a:ext cx="6096000" cy="3429000"/>
-          </a:xfrm>
-          <a:custGeom>
-            <a:rect b="b" l="l" r="r" t="t"/>
-            <a:pathLst>
-              <a:path extrusionOk="0" h="120000" w="120000">
-                <a:moveTo>
-                  <a:pt x="0" y="0"/>
-                </a:moveTo>
-                <a:lnTo>
-                  <a:pt x="120000" y="0"/>
-                </a:lnTo>
-                <a:lnTo>
-                  <a:pt x="120000" y="120000"/>
-                </a:lnTo>
-                <a:lnTo>
-                  <a:pt x="0" y="120000"/>
-                </a:lnTo>
-                <a:close/>
-              </a:path>
-            </a:pathLst>
-          </a:custGeom>
-        </p:spPr>
-      </p:sp>
-      <p:sp>
-        <p:nvSpPr>
-          <p:cNvPr id="192" name="Google Shape;192;g7e339a7de6_0_155:notes"/>
+          <p:cNvPr id="186" name="Google Shape;186;g7e339a7de6_0_155:notes"/>
           <p:cNvSpPr txBox="1"/>
           <p:nvPr>
             <p:ph idx="1" type="body"/>
@@ -1127,7 +1027,7 @@
       </p:grpSpPr>
       <p:sp>
         <p:nvSpPr>
-          <p:cNvPr id="143" name="Google Shape;143;g7e339a7de6_0_165:notes"/>
+          <p:cNvPr id="143" name="Google Shape;143;g7e339a7de6_0_135:notes"/>
           <p:cNvSpPr/>
           <p:nvPr>
             <p:ph idx="2" type="sldImg"/>
@@ -1162,7 +1062,7 @@
       </p:sp>
       <p:sp>
         <p:nvSpPr>
-          <p:cNvPr id="144" name="Google Shape;144;g7e339a7de6_0_165:notes"/>
+          <p:cNvPr id="144" name="Google Shape;144;g7e339a7de6_0_135:notes"/>
           <p:cNvSpPr txBox="1"/>
           <p:nvPr>
             <p:ph idx="1" type="body"/>
@@ -1226,7 +1126,7 @@
       </p:grpSpPr>
       <p:sp>
         <p:nvSpPr>
-          <p:cNvPr id="149" name="Google Shape;149;g6ff1cbd956_2_0:notes"/>
+          <p:cNvPr id="149" name="Google Shape;149;g7e339a7de6_0_165:notes"/>
           <p:cNvSpPr/>
           <p:nvPr>
             <p:ph idx="2" type="sldImg"/>
@@ -1261,7 +1161,7 @@
       </p:sp>
       <p:sp>
         <p:nvSpPr>
-          <p:cNvPr id="150" name="Google Shape;150;g6ff1cbd956_2_0:notes"/>
+          <p:cNvPr id="150" name="Google Shape;150;g7e339a7de6_0_165:notes"/>
           <p:cNvSpPr txBox="1"/>
           <p:nvPr>
             <p:ph idx="1" type="body"/>
@@ -1325,7 +1225,7 @@
       </p:grpSpPr>
       <p:sp>
         <p:nvSpPr>
-          <p:cNvPr id="155" name="Google Shape;155;g7e339a7de6_0_130:notes"/>
+          <p:cNvPr id="155" name="Google Shape;155;g7e339a7de6_0_145:notes"/>
           <p:cNvSpPr/>
           <p:nvPr>
             <p:ph idx="2" type="sldImg"/>
@@ -1360,7 +1260,7 @@
       </p:sp>
       <p:sp>
         <p:nvSpPr>
-          <p:cNvPr id="156" name="Google Shape;156;g7e339a7de6_0_130:notes"/>
+          <p:cNvPr id="156" name="Google Shape;156;g7e339a7de6_0_145:notes"/>
           <p:cNvSpPr txBox="1"/>
           <p:nvPr>
             <p:ph idx="1" type="body"/>
@@ -1424,7 +1324,7 @@
       </p:grpSpPr>
       <p:sp>
         <p:nvSpPr>
-          <p:cNvPr id="161" name="Google Shape;161;g7e339a7de6_0_140:notes"/>
+          <p:cNvPr id="161" name="Google Shape;161;g7e339a7de6_0_130:notes"/>
           <p:cNvSpPr/>
           <p:nvPr>
             <p:ph idx="2" type="sldImg"/>
@@ -1459,7 +1359,7 @@
       </p:sp>
       <p:sp>
         <p:nvSpPr>
-          <p:cNvPr id="162" name="Google Shape;162;g7e339a7de6_0_140:notes"/>
+          <p:cNvPr id="162" name="Google Shape;162;g7e339a7de6_0_130:notes"/>
           <p:cNvSpPr txBox="1"/>
           <p:nvPr>
             <p:ph idx="1" type="body"/>
@@ -1523,7 +1423,7 @@
       </p:grpSpPr>
       <p:sp>
         <p:nvSpPr>
-          <p:cNvPr id="167" name="Google Shape;167;g7e339a7de6_0_135:notes"/>
+          <p:cNvPr id="167" name="Google Shape;167;g7e339a7de6_0_160:notes"/>
           <p:cNvSpPr/>
           <p:nvPr>
             <p:ph idx="2" type="sldImg"/>
@@ -1558,7 +1458,7 @@
       </p:sp>
       <p:sp>
         <p:nvSpPr>
-          <p:cNvPr id="168" name="Google Shape;168;g7e339a7de6_0_135:notes"/>
+          <p:cNvPr id="168" name="Google Shape;168;g7e339a7de6_0_160:notes"/>
           <p:cNvSpPr txBox="1"/>
           <p:nvPr>
             <p:ph idx="1" type="body"/>
@@ -1622,7 +1522,7 @@
       </p:grpSpPr>
       <p:sp>
         <p:nvSpPr>
-          <p:cNvPr id="173" name="Google Shape;173;g7e339a7de6_0_145:notes"/>
+          <p:cNvPr id="173" name="Google Shape;173;g6ff1cbd956_2_0:notes"/>
           <p:cNvSpPr/>
           <p:nvPr>
             <p:ph idx="2" type="sldImg"/>
@@ -1657,7 +1557,7 @@
       </p:sp>
       <p:sp>
         <p:nvSpPr>
-          <p:cNvPr id="174" name="Google Shape;174;g7e339a7de6_0_145:notes"/>
+          <p:cNvPr id="174" name="Google Shape;174;g6ff1cbd956_2_0:notes"/>
           <p:cNvSpPr txBox="1"/>
           <p:nvPr>
             <p:ph idx="1" type="body"/>
@@ -1721,7 +1621,7 @@
       </p:grpSpPr>
       <p:sp>
         <p:nvSpPr>
-          <p:cNvPr id="179" name="Google Shape;179;g7e339a7de6_0_160:notes"/>
+          <p:cNvPr id="179" name="Google Shape;179;g7e339a7de6_0_150:notes"/>
           <p:cNvSpPr/>
           <p:nvPr>
             <p:ph idx="2" type="sldImg"/>
@@ -1756,7 +1656,7 @@
       </p:sp>
       <p:sp>
         <p:nvSpPr>
-          <p:cNvPr id="180" name="Google Shape;180;g7e339a7de6_0_160:notes"/>
+          <p:cNvPr id="180" name="Google Shape;180;g7e339a7de6_0_150:notes"/>
           <p:cNvSpPr txBox="1"/>
           <p:nvPr>
             <p:ph idx="1" type="body"/>
@@ -10136,110 +10036,6 @@
         </p:nvSpPr>
         <p:spPr>
           <a:xfrm>
-            <a:off x="1297500" y="393750"/>
-            <a:ext cx="7038900" cy="914100"/>
-          </a:xfrm>
-          <a:prstGeom prst="rect">
-            <a:avLst/>
-          </a:prstGeom>
-        </p:spPr>
-        <p:txBody>
-          <a:bodyPr anchorCtr="0" anchor="t" bIns="91425" lIns="91425" spcFirstLastPara="1" rIns="91425" wrap="square" tIns="91425">
-            <a:noAutofit/>
-          </a:bodyPr>
-          <a:lstStyle/>
-          <a:p>
-            <a:pPr indent="0" lvl="0" marL="0" rtl="0" algn="l">
-              <a:spcBef>
-                <a:spcPts val="0"/>
-              </a:spcBef>
-              <a:spcAft>
-                <a:spcPts val="0"/>
-              </a:spcAft>
-              <a:buNone/>
-            </a:pPr>
-            <a:r>
-              <a:rPr lang="en"/>
-              <a:t>Demo</a:t>
-            </a:r>
-            <a:endParaRPr/>
-          </a:p>
-        </p:txBody>
-      </p:sp>
-      <p:sp>
-        <p:nvSpPr>
-          <p:cNvPr id="189" name="Google Shape;189;p22"/>
-          <p:cNvSpPr txBox="1"/>
-          <p:nvPr>
-            <p:ph idx="1" type="body"/>
-          </p:nvPr>
-        </p:nvSpPr>
-        <p:spPr>
-          <a:xfrm>
-            <a:off x="1297500" y="1567550"/>
-            <a:ext cx="7038900" cy="2911200"/>
-          </a:xfrm>
-          <a:prstGeom prst="rect">
-            <a:avLst/>
-          </a:prstGeom>
-        </p:spPr>
-        <p:txBody>
-          <a:bodyPr anchorCtr="0" anchor="t" bIns="91425" lIns="91425" spcFirstLastPara="1" rIns="91425" wrap="square" tIns="91425">
-            <a:noAutofit/>
-          </a:bodyPr>
-          <a:lstStyle/>
-          <a:p>
-            <a:pPr indent="0" lvl="0" marL="0" rtl="0" algn="l">
-              <a:spcBef>
-                <a:spcPts val="0"/>
-              </a:spcBef>
-              <a:spcAft>
-                <a:spcPts val="1600"/>
-              </a:spcAft>
-              <a:buNone/>
-            </a:pPr>
-            <a:r>
-              <a:t/>
-            </a:r>
-            <a:endParaRPr/>
-          </a:p>
-        </p:txBody>
-      </p:sp>
-    </p:spTree>
-  </p:cSld>
-  <p:clrMapOvr>
-    <a:masterClrMapping/>
-  </p:clrMapOvr>
-</p:sld>
-</file>
-
-<file path=ppt/slides/slide11.xml><?xml version="1.0" encoding="utf-8"?>
-<p:sld xmlns:a="http://schemas.openxmlformats.org/drawingml/2006/main" xmlns:r="http://schemas.openxmlformats.org/officeDocument/2006/relationships" xmlns:mc="http://schemas.openxmlformats.org/markup-compatibility/2006" xmlns:mv="urn:schemas-microsoft-com:mac:vml" xmlns:p="http://schemas.openxmlformats.org/presentationml/2006/main" xmlns:c="http://schemas.openxmlformats.org/drawingml/2006/chart" xmlns:dgm="http://schemas.openxmlformats.org/drawingml/2006/diagram" xmlns:o="urn:schemas-microsoft-com:office:office" xmlns:v="urn:schemas-microsoft-com:vml" xmlns:pvml="urn:schemas-microsoft-com:office:powerpoint" xmlns:com="http://schemas.openxmlformats.org/drawingml/2006/compatibility" xmlns:p14="http://schemas.microsoft.com/office/powerpoint/2010/main" xmlns:p15="http://schemas.microsoft.com/office/powerpoint/2012/main">
-  <p:cSld>
-    <p:spTree>
-      <p:nvGrpSpPr>
-        <p:cNvPr id="193" name="Shape 193"/>
-        <p:cNvGrpSpPr/>
-        <p:nvPr/>
-      </p:nvGrpSpPr>
-      <p:grpSpPr>
-        <a:xfrm>
-          <a:off x="0" y="0"/>
-          <a:ext cx="0" cy="0"/>
-          <a:chOff x="0" y="0"/>
-          <a:chExt cx="0" cy="0"/>
-        </a:xfrm>
-      </p:grpSpPr>
-      <p:sp>
-        <p:nvSpPr>
-          <p:cNvPr id="194" name="Google Shape;194;p23"/>
-          <p:cNvSpPr txBox="1"/>
-          <p:nvPr>
-            <p:ph type="title"/>
-          </p:nvPr>
-        </p:nvSpPr>
-        <p:spPr>
-          <a:xfrm>
             <a:off x="3362300" y="2114700"/>
             <a:ext cx="2269800" cy="914100"/>
           </a:xfrm>
@@ -10358,55 +10154,55 @@
           </a:bodyPr>
           <a:lstStyle/>
           <a:p>
-            <a:pPr indent="-342900" lvl="0" marL="457200" rtl="0" algn="l">
-              <a:spcBef>
-                <a:spcPts val="0"/>
-              </a:spcBef>
-              <a:spcAft>
-                <a:spcPts val="0"/>
-              </a:spcAft>
-              <a:buSzPts val="1800"/>
+            <a:pPr indent="-381000" lvl="0" marL="457200" rtl="0" algn="l">
+              <a:spcBef>
+                <a:spcPts val="0"/>
+              </a:spcBef>
+              <a:spcAft>
+                <a:spcPts val="0"/>
+              </a:spcAft>
+              <a:buSzPts val="2400"/>
               <a:buChar char="●"/>
             </a:pPr>
             <a:r>
-              <a:rPr lang="en" sz="1800"/>
+              <a:rPr lang="en" sz="2400"/>
               <a:t>Tri- directional speech</a:t>
             </a:r>
-            <a:endParaRPr sz="1800"/>
+            <a:endParaRPr sz="2400"/>
           </a:p>
           <a:p>
-            <a:pPr indent="-342900" lvl="0" marL="457200" rtl="0" algn="l">
-              <a:spcBef>
-                <a:spcPts val="0"/>
-              </a:spcBef>
-              <a:spcAft>
-                <a:spcPts val="0"/>
-              </a:spcAft>
-              <a:buSzPts val="1800"/>
+            <a:pPr indent="-381000" lvl="0" marL="457200" rtl="0" algn="l">
+              <a:spcBef>
+                <a:spcPts val="0"/>
+              </a:spcBef>
+              <a:spcAft>
+                <a:spcPts val="0"/>
+              </a:spcAft>
+              <a:buSzPts val="2400"/>
               <a:buChar char="●"/>
             </a:pPr>
             <a:r>
-              <a:rPr lang="en" sz="1800"/>
+              <a:rPr lang="en" sz="2400"/>
               <a:t>Allows the means of communication using only directions</a:t>
             </a:r>
-            <a:endParaRPr sz="1800"/>
+            <a:endParaRPr sz="2400"/>
           </a:p>
           <a:p>
-            <a:pPr indent="-342900" lvl="0" marL="457200" rtl="0" algn="l">
-              <a:spcBef>
-                <a:spcPts val="0"/>
-              </a:spcBef>
-              <a:spcAft>
-                <a:spcPts val="0"/>
-              </a:spcAft>
-              <a:buSzPts val="1800"/>
+            <a:pPr indent="-381000" lvl="0" marL="457200" rtl="0" algn="l">
+              <a:spcBef>
+                <a:spcPts val="0"/>
+              </a:spcBef>
+              <a:spcAft>
+                <a:spcPts val="0"/>
+              </a:spcAft>
+              <a:buSzPts val="2400"/>
               <a:buChar char="●"/>
             </a:pPr>
             <a:r>
-              <a:rPr lang="en" sz="1800"/>
+              <a:rPr lang="en" sz="2400"/>
               <a:t>Requires device and literacy</a:t>
             </a:r>
-            <a:endParaRPr sz="1800"/>
+            <a:endParaRPr sz="2400"/>
           </a:p>
         </p:txBody>
       </p:sp>
@@ -10469,7 +10265,7 @@
             </a:pPr>
             <a:r>
               <a:rPr lang="en"/>
-              <a:t>Tech </a:t>
+              <a:t>Who</a:t>
             </a:r>
             <a:endParaRPr/>
           </a:p>
@@ -10498,123 +10294,89 @@
           </a:bodyPr>
           <a:lstStyle/>
           <a:p>
-            <a:pPr indent="-342900" lvl="0" marL="457200" rtl="0" algn="l">
-              <a:spcBef>
-                <a:spcPts val="0"/>
-              </a:spcBef>
-              <a:spcAft>
-                <a:spcPts val="0"/>
-              </a:spcAft>
-              <a:buSzPts val="1800"/>
+            <a:pPr indent="-381000" lvl="0" marL="457200" rtl="0" algn="l">
+              <a:spcBef>
+                <a:spcPts val="0"/>
+              </a:spcBef>
+              <a:spcAft>
+                <a:spcPts val="0"/>
+              </a:spcAft>
+              <a:buSzPts val="2400"/>
               <a:buChar char="●"/>
             </a:pPr>
             <a:r>
-              <a:rPr lang="en" sz="1800"/>
-              <a:t>Database</a:t>
+              <a:rPr lang="en" sz="2400"/>
+              <a:t>Patients</a:t>
             </a:r>
-            <a:endParaRPr sz="1800"/>
+            <a:endParaRPr sz="2400"/>
           </a:p>
           <a:p>
-            <a:pPr indent="-342900" lvl="1" marL="914400" rtl="0" algn="l">
-              <a:spcBef>
-                <a:spcPts val="0"/>
-              </a:spcBef>
-              <a:spcAft>
-                <a:spcPts val="0"/>
-              </a:spcAft>
-              <a:buSzPts val="1800"/>
-              <a:buChar char="○"/>
-            </a:pPr>
-            <a:r>
-              <a:rPr lang="en" sz="1800"/>
-              <a:t>SQLite</a:t>
-            </a:r>
-            <a:endParaRPr sz="1800"/>
-          </a:p>
-          <a:p>
-            <a:pPr indent="-342900" lvl="0" marL="457200" rtl="0" algn="l">
-              <a:spcBef>
-                <a:spcPts val="0"/>
-              </a:spcBef>
-              <a:spcAft>
-                <a:spcPts val="0"/>
-              </a:spcAft>
-              <a:buSzPts val="1800"/>
+            <a:pPr indent="-381000" lvl="0" marL="457200" rtl="0" algn="l">
+              <a:spcBef>
+                <a:spcPts val="0"/>
+              </a:spcBef>
+              <a:spcAft>
+                <a:spcPts val="0"/>
+              </a:spcAft>
+              <a:buSzPts val="2400"/>
               <a:buChar char="●"/>
             </a:pPr>
             <a:r>
-              <a:rPr lang="en" sz="1800"/>
-              <a:t>Device we will use</a:t>
+              <a:rPr lang="en" sz="2400"/>
+              <a:t>Doctors</a:t>
             </a:r>
-            <a:endParaRPr sz="1800"/>
+            <a:endParaRPr sz="2400"/>
           </a:p>
           <a:p>
-            <a:pPr indent="-342900" lvl="1" marL="914400" rtl="0" algn="l">
-              <a:spcBef>
-                <a:spcPts val="0"/>
-              </a:spcBef>
-              <a:spcAft>
-                <a:spcPts val="0"/>
-              </a:spcAft>
-              <a:buSzPts val="1800"/>
-              <a:buChar char="○"/>
-            </a:pPr>
-            <a:r>
-              <a:rPr lang="en" sz="1800"/>
-              <a:t>Joysticks</a:t>
-            </a:r>
-            <a:endParaRPr sz="1800"/>
-          </a:p>
-          <a:p>
-            <a:pPr indent="-342900" lvl="1" marL="914400" rtl="0" algn="l">
-              <a:spcBef>
-                <a:spcPts val="0"/>
-              </a:spcBef>
-              <a:spcAft>
-                <a:spcPts val="0"/>
-              </a:spcAft>
-              <a:buSzPts val="1800"/>
-              <a:buChar char="○"/>
-            </a:pPr>
-            <a:r>
-              <a:rPr lang="en" sz="1800"/>
-              <a:t>Game pads</a:t>
-            </a:r>
-            <a:endParaRPr sz="1800"/>
-          </a:p>
-          <a:p>
-            <a:pPr indent="-342900" lvl="1" marL="914400" rtl="0" algn="l">
-              <a:spcBef>
-                <a:spcPts val="0"/>
-              </a:spcBef>
-              <a:spcAft>
-                <a:spcPts val="0"/>
-              </a:spcAft>
-              <a:buSzPts val="1800"/>
-              <a:buChar char="○"/>
-            </a:pPr>
-            <a:r>
-              <a:rPr lang="en" sz="1800"/>
-              <a:t>WASD keys</a:t>
-            </a:r>
-            <a:endParaRPr sz="1800"/>
-          </a:p>
-          <a:p>
-            <a:pPr indent="-342900" lvl="0" marL="457200" rtl="0" algn="l">
-              <a:spcBef>
-                <a:spcPts val="0"/>
-              </a:spcBef>
-              <a:spcAft>
-                <a:spcPts val="0"/>
-              </a:spcAft>
-              <a:buSzPts val="1800"/>
+            <a:pPr indent="-381000" lvl="0" marL="457200" rtl="0" algn="l">
+              <a:spcBef>
+                <a:spcPts val="0"/>
+              </a:spcBef>
+              <a:spcAft>
+                <a:spcPts val="0"/>
+              </a:spcAft>
+              <a:buSzPts val="2400"/>
               <a:buChar char="●"/>
             </a:pPr>
             <a:r>
-              <a:rPr lang="en" sz="1800"/>
-              <a:t>Alphabet</a:t>
+              <a:rPr lang="en" sz="2400"/>
+              <a:t>Nurses</a:t>
             </a:r>
-            <a:endParaRPr sz="1800"/>
+            <a:endParaRPr sz="2400"/>
+          </a:p>
+          <a:p>
+            <a:pPr indent="-381000" lvl="0" marL="457200" rtl="0" algn="l">
+              <a:spcBef>
+                <a:spcPts val="0"/>
+              </a:spcBef>
+              <a:spcAft>
+                <a:spcPts val="0"/>
+              </a:spcAft>
+              <a:buSzPts val="2400"/>
+              <a:buChar char="●"/>
+            </a:pPr>
+            <a:r>
+              <a:rPr lang="en" sz="2400"/>
+              <a:t>First responders</a:t>
+            </a:r>
+            <a:endParaRPr sz="2400"/>
+          </a:p>
+          <a:p>
+            <a:pPr indent="-381000" lvl="0" marL="457200" rtl="0" algn="l">
+              <a:spcBef>
+                <a:spcPts val="0"/>
+              </a:spcBef>
+              <a:spcAft>
+                <a:spcPts val="0"/>
+              </a:spcAft>
+              <a:buSzPts val="2400"/>
+              <a:buChar char="●"/>
+            </a:pPr>
+            <a:r>
+              <a:rPr lang="en" sz="2400"/>
+              <a:t>Anyone</a:t>
+            </a:r>
+            <a:endParaRPr sz="2400"/>
           </a:p>
         </p:txBody>
       </p:sp>
@@ -10677,40 +10439,155 @@
             </a:pPr>
             <a:r>
               <a:rPr lang="en"/>
-              <a:t>KEY</a:t>
+              <a:t>Tech </a:t>
             </a:r>
             <a:endParaRPr/>
           </a:p>
         </p:txBody>
       </p:sp>
-      <p:pic>
-        <p:nvPicPr>
+      <p:sp>
+        <p:nvSpPr>
           <p:cNvPr id="153" name="Google Shape;153;p16"/>
-          <p:cNvPicPr preferRelativeResize="0"/>
-          <p:nvPr/>
-        </p:nvPicPr>
-        <p:blipFill>
-          <a:blip r:embed="rId3">
-            <a:alphaModFix/>
-          </a:blip>
-          <a:stretch>
-            <a:fillRect/>
-          </a:stretch>
-        </p:blipFill>
+          <p:cNvSpPr txBox="1"/>
+          <p:nvPr>
+            <p:ph idx="1" type="body"/>
+          </p:nvPr>
+        </p:nvSpPr>
         <p:spPr>
           <a:xfrm>
-            <a:off x="152400" y="2109425"/>
-            <a:ext cx="8839201" cy="834770"/>
+            <a:off x="1297500" y="1567550"/>
+            <a:ext cx="7038900" cy="2911200"/>
           </a:xfrm>
           <a:prstGeom prst="rect">
             <a:avLst/>
           </a:prstGeom>
-          <a:noFill/>
-          <a:ln>
-            <a:noFill/>
-          </a:ln>
         </p:spPr>
-      </p:pic>
+        <p:txBody>
+          <a:bodyPr anchorCtr="0" anchor="t" bIns="91425" lIns="91425" spcFirstLastPara="1" rIns="91425" wrap="square" tIns="91425">
+            <a:noAutofit/>
+          </a:bodyPr>
+          <a:lstStyle/>
+          <a:p>
+            <a:pPr indent="-381000" lvl="0" marL="457200" rtl="0" algn="l">
+              <a:spcBef>
+                <a:spcPts val="0"/>
+              </a:spcBef>
+              <a:spcAft>
+                <a:spcPts val="0"/>
+              </a:spcAft>
+              <a:buSzPts val="2400"/>
+              <a:buChar char="●"/>
+            </a:pPr>
+            <a:r>
+              <a:rPr lang="en" sz="2400"/>
+              <a:t>Database</a:t>
+            </a:r>
+            <a:endParaRPr sz="2400"/>
+          </a:p>
+          <a:p>
+            <a:pPr indent="-381000" lvl="1" marL="914400" rtl="0" algn="l">
+              <a:spcBef>
+                <a:spcPts val="0"/>
+              </a:spcBef>
+              <a:spcAft>
+                <a:spcPts val="0"/>
+              </a:spcAft>
+              <a:buSzPts val="2400"/>
+              <a:buChar char="○"/>
+            </a:pPr>
+            <a:r>
+              <a:rPr lang="en" sz="2400"/>
+              <a:t>SQLite</a:t>
+            </a:r>
+            <a:endParaRPr sz="2400"/>
+          </a:p>
+          <a:p>
+            <a:pPr indent="-381000" lvl="0" marL="457200" rtl="0" algn="l">
+              <a:spcBef>
+                <a:spcPts val="0"/>
+              </a:spcBef>
+              <a:spcAft>
+                <a:spcPts val="0"/>
+              </a:spcAft>
+              <a:buSzPts val="2400"/>
+              <a:buChar char="●"/>
+            </a:pPr>
+            <a:r>
+              <a:rPr lang="en" sz="2400"/>
+              <a:t>Device we will use</a:t>
+            </a:r>
+            <a:endParaRPr sz="2400"/>
+          </a:p>
+          <a:p>
+            <a:pPr indent="-381000" lvl="1" marL="914400" rtl="0" algn="l">
+              <a:spcBef>
+                <a:spcPts val="0"/>
+              </a:spcBef>
+              <a:spcAft>
+                <a:spcPts val="0"/>
+              </a:spcAft>
+              <a:buSzPts val="2400"/>
+              <a:buChar char="○"/>
+            </a:pPr>
+            <a:r>
+              <a:rPr lang="en" sz="2400"/>
+              <a:t>Joysticks</a:t>
+            </a:r>
+            <a:endParaRPr sz="2400"/>
+          </a:p>
+          <a:p>
+            <a:pPr indent="-381000" lvl="1" marL="914400" rtl="0" algn="l">
+              <a:spcBef>
+                <a:spcPts val="0"/>
+              </a:spcBef>
+              <a:spcAft>
+                <a:spcPts val="0"/>
+              </a:spcAft>
+              <a:buSzPts val="2400"/>
+              <a:buChar char="○"/>
+            </a:pPr>
+            <a:r>
+              <a:rPr lang="en" sz="2400"/>
+              <a:t>Game pads</a:t>
+            </a:r>
+            <a:endParaRPr sz="2400"/>
+          </a:p>
+          <a:p>
+            <a:pPr indent="-381000" lvl="1" marL="914400" rtl="0" algn="l">
+              <a:spcBef>
+                <a:spcPts val="0"/>
+              </a:spcBef>
+              <a:spcAft>
+                <a:spcPts val="0"/>
+              </a:spcAft>
+              <a:buSzPts val="2400"/>
+              <a:buChar char="○"/>
+            </a:pPr>
+            <a:r>
+              <a:rPr lang="en" sz="2400"/>
+              <a:t>WASD keys</a:t>
+            </a:r>
+            <a:endParaRPr sz="2400"/>
+          </a:p>
+          <a:p>
+            <a:pPr indent="-381000" lvl="0" marL="457200" rtl="0" algn="l">
+              <a:spcBef>
+                <a:spcPts val="0"/>
+              </a:spcBef>
+              <a:spcAft>
+                <a:spcPts val="0"/>
+              </a:spcAft>
+              <a:buSzPts val="2400"/>
+              <a:buChar char="●"/>
+            </a:pPr>
+            <a:r>
+              <a:rPr lang="en" sz="2400"/>
+              <a:t>Alphabet</a:t>
+            </a:r>
+            <a:endParaRPr sz="2400"/>
+          </a:p>
+        </p:txBody>
+      </p:sp>
     </p:spTree>
   </p:cSld>
   <p:clrMapOvr>
@@ -10770,7 +10647,7 @@
             </a:pPr>
             <a:r>
               <a:rPr lang="en"/>
-              <a:t>Why</a:t>
+              <a:t>Where</a:t>
             </a:r>
             <a:endParaRPr/>
           </a:p>
@@ -10799,58 +10676,72 @@
           </a:bodyPr>
           <a:lstStyle/>
           <a:p>
-            <a:pPr indent="-342900" lvl="0" marL="457200" rtl="0" algn="l">
-              <a:spcBef>
-                <a:spcPts val="0"/>
-              </a:spcBef>
-              <a:spcAft>
-                <a:spcPts val="0"/>
-              </a:spcAft>
-              <a:buSzPts val="1800"/>
+            <a:pPr indent="-381000" lvl="0" marL="457200" rtl="0" algn="l">
+              <a:spcBef>
+                <a:spcPts val="0"/>
+              </a:spcBef>
+              <a:spcAft>
+                <a:spcPts val="0"/>
+              </a:spcAft>
+              <a:buSzPts val="2400"/>
               <a:buChar char="●"/>
             </a:pPr>
             <a:r>
-              <a:rPr lang="en" sz="1800"/>
-              <a:t>Efficient</a:t>
+              <a:rPr lang="en" sz="2400"/>
+              <a:t>In the ambulance </a:t>
             </a:r>
-            <a:r>
-              <a:rPr lang="en" sz="1800"/>
-              <a:t> and fast communication</a:t>
-            </a:r>
-            <a:endParaRPr sz="1800"/>
+            <a:endParaRPr sz="2400"/>
           </a:p>
           <a:p>
-            <a:pPr indent="-342900" lvl="0" marL="457200" rtl="0" algn="l">
-              <a:spcBef>
-                <a:spcPts val="0"/>
-              </a:spcBef>
-              <a:spcAft>
-                <a:spcPts val="0"/>
-              </a:spcAft>
-              <a:buSzPts val="1800"/>
+            <a:pPr indent="-381000" lvl="0" marL="457200" rtl="0" algn="l">
+              <a:spcBef>
+                <a:spcPts val="0"/>
+              </a:spcBef>
+              <a:spcAft>
+                <a:spcPts val="0"/>
+              </a:spcAft>
+              <a:buSzPts val="2400"/>
               <a:buChar char="●"/>
             </a:pPr>
             <a:r>
-              <a:rPr lang="en" sz="1800"/>
-              <a:t>Portable and easy to understand</a:t>
+              <a:rPr lang="en" sz="2400"/>
+              <a:t>In the ER</a:t>
             </a:r>
-            <a:endParaRPr sz="1800"/>
+            <a:endParaRPr sz="2400"/>
           </a:p>
           <a:p>
-            <a:pPr indent="-342900" lvl="0" marL="457200" rtl="0" algn="l">
-              <a:spcBef>
-                <a:spcPts val="0"/>
-              </a:spcBef>
-              <a:spcAft>
-                <a:spcPts val="0"/>
-              </a:spcAft>
-              <a:buSzPts val="1800"/>
+            <a:pPr indent="-381000" lvl="0" marL="457200" rtl="0" algn="l">
+              <a:spcBef>
+                <a:spcPts val="0"/>
+              </a:spcBef>
+              <a:spcAft>
+                <a:spcPts val="0"/>
+              </a:spcAft>
+              <a:buSzPts val="2400"/>
               <a:buChar char="●"/>
             </a:pPr>
             <a:r>
-              <a:t/>
+              <a:rPr lang="en" sz="2400"/>
+              <a:t>Inpatient</a:t>
             </a:r>
-            <a:endParaRPr sz="1800"/>
+            <a:endParaRPr sz="2400"/>
+          </a:p>
+          <a:p>
+            <a:pPr indent="-381000" lvl="0" marL="457200" rtl="0" algn="l">
+              <a:spcBef>
+                <a:spcPts val="0"/>
+              </a:spcBef>
+              <a:spcAft>
+                <a:spcPts val="0"/>
+              </a:spcAft>
+              <a:buSzPts val="2400"/>
+              <a:buChar char="●"/>
+            </a:pPr>
+            <a:r>
+              <a:rPr lang="en" sz="2400"/>
+              <a:t>Outpatient</a:t>
+            </a:r>
+            <a:endParaRPr sz="2400"/>
           </a:p>
         </p:txBody>
       </p:sp>
@@ -10913,7 +10804,7 @@
             </a:pPr>
             <a:r>
               <a:rPr lang="en"/>
-              <a:t>When</a:t>
+              <a:t>Why</a:t>
             </a:r>
             <a:endParaRPr/>
           </a:p>
@@ -10942,38 +10833,93 @@
           </a:bodyPr>
           <a:lstStyle/>
           <a:p>
-            <a:pPr indent="-342900" lvl="0" marL="457200" rtl="0" algn="l">
-              <a:spcBef>
-                <a:spcPts val="0"/>
-              </a:spcBef>
-              <a:spcAft>
-                <a:spcPts val="0"/>
-              </a:spcAft>
-              <a:buSzPts val="1800"/>
+            <a:pPr indent="-381000" lvl="0" marL="457200" rtl="0" algn="l">
+              <a:spcBef>
+                <a:spcPts val="0"/>
+              </a:spcBef>
+              <a:spcAft>
+                <a:spcPts val="0"/>
+              </a:spcAft>
+              <a:buSzPts val="2400"/>
               <a:buChar char="●"/>
             </a:pPr>
             <a:r>
-              <a:rPr lang="en" sz="1800"/>
-              <a:t>A patient with no means of verbal communication</a:t>
+              <a:rPr lang="en" sz="2400"/>
+              <a:t>Efficient</a:t>
             </a:r>
-            <a:endParaRPr sz="1800"/>
+            <a:r>
+              <a:rPr lang="en" sz="2400"/>
+              <a:t> and fast communication</a:t>
+            </a:r>
+            <a:endParaRPr sz="2400"/>
           </a:p>
           <a:p>
-            <a:pPr indent="-342900" lvl="0" marL="457200" rtl="0" algn="l">
-              <a:spcBef>
-                <a:spcPts val="0"/>
-              </a:spcBef>
-              <a:spcAft>
-                <a:spcPts val="0"/>
-              </a:spcAft>
-              <a:buSzPts val="1800"/>
+            <a:pPr indent="-381000" lvl="0" marL="457200" rtl="0" algn="l">
+              <a:spcBef>
+                <a:spcPts val="0"/>
+              </a:spcBef>
+              <a:spcAft>
+                <a:spcPts val="0"/>
+              </a:spcAft>
+              <a:buSzPts val="2400"/>
               <a:buChar char="●"/>
             </a:pPr>
             <a:r>
-              <a:rPr lang="en" sz="1800"/>
+              <a:rPr lang="en" sz="2400"/>
+              <a:t>Portable and easy to understand</a:t>
+            </a:r>
+            <a:endParaRPr sz="2400"/>
+          </a:p>
+          <a:p>
+            <a:pPr indent="-381000" lvl="0" marL="457200" rtl="0" algn="l">
+              <a:spcBef>
+                <a:spcPts val="0"/>
+              </a:spcBef>
+              <a:spcAft>
+                <a:spcPts val="0"/>
+              </a:spcAft>
+              <a:buSzPts val="2400"/>
+              <a:buChar char="●"/>
+            </a:pPr>
+            <a:r>
+              <a:rPr lang="en" sz="2400"/>
+              <a:t>Scenario or user story</a:t>
+            </a:r>
+            <a:endParaRPr sz="2400"/>
+          </a:p>
+          <a:p>
+            <a:pPr indent="-381000" lvl="0" marL="457200" rtl="0" algn="l">
+              <a:spcBef>
+                <a:spcPts val="0"/>
+              </a:spcBef>
+              <a:spcAft>
+                <a:spcPts val="0"/>
+              </a:spcAft>
+              <a:buSzPts val="2400"/>
+              <a:buChar char="●"/>
+            </a:pPr>
+            <a:r>
+              <a:rPr lang="en" sz="2400"/>
+              <a:t>A patient with no means of verbal communication</a:t>
+            </a:r>
+            <a:endParaRPr sz="2400"/>
+          </a:p>
+          <a:p>
+            <a:pPr indent="-381000" lvl="0" marL="457200" rtl="0" algn="l">
+              <a:spcBef>
+                <a:spcPts val="0"/>
+              </a:spcBef>
+              <a:spcAft>
+                <a:spcPts val="0"/>
+              </a:spcAft>
+              <a:buSzPts val="2400"/>
+              <a:buChar char="●"/>
+            </a:pPr>
+            <a:r>
+              <a:rPr lang="en" sz="2400"/>
               <a:t>scenario</a:t>
             </a:r>
-            <a:endParaRPr sz="1800"/>
+            <a:endParaRPr sz="2400"/>
           </a:p>
         </p:txBody>
       </p:sp>
@@ -11036,104 +10982,40 @@
             </a:pPr>
             <a:r>
               <a:rPr lang="en"/>
-              <a:t>Who</a:t>
+              <a:t>Context Diagram</a:t>
             </a:r>
             <a:endParaRPr/>
           </a:p>
         </p:txBody>
       </p:sp>
-      <p:sp>
-        <p:nvSpPr>
+      <p:pic>
+        <p:nvPicPr>
           <p:cNvPr id="171" name="Google Shape;171;p19"/>
-          <p:cNvSpPr txBox="1"/>
-          <p:nvPr>
-            <p:ph idx="1" type="body"/>
-          </p:nvPr>
-        </p:nvSpPr>
+          <p:cNvPicPr preferRelativeResize="0"/>
+          <p:nvPr/>
+        </p:nvPicPr>
+        <p:blipFill>
+          <a:blip r:embed="rId3">
+            <a:alphaModFix/>
+          </a:blip>
+          <a:stretch>
+            <a:fillRect/>
+          </a:stretch>
+        </p:blipFill>
         <p:spPr>
           <a:xfrm>
-            <a:off x="1297500" y="1567550"/>
-            <a:ext cx="7038900" cy="2911200"/>
+            <a:off x="1493875" y="1473725"/>
+            <a:ext cx="5943600" cy="2686050"/>
           </a:xfrm>
           <a:prstGeom prst="rect">
             <a:avLst/>
           </a:prstGeom>
+          <a:noFill/>
+          <a:ln>
+            <a:noFill/>
+          </a:ln>
         </p:spPr>
-        <p:txBody>
-          <a:bodyPr anchorCtr="0" anchor="t" bIns="91425" lIns="91425" spcFirstLastPara="1" rIns="91425" wrap="square" tIns="91425">
-            <a:noAutofit/>
-          </a:bodyPr>
-          <a:lstStyle/>
-          <a:p>
-            <a:pPr indent="-342900" lvl="0" marL="457200" rtl="0" algn="l">
-              <a:spcBef>
-                <a:spcPts val="0"/>
-              </a:spcBef>
-              <a:spcAft>
-                <a:spcPts val="0"/>
-              </a:spcAft>
-              <a:buSzPts val="1800"/>
-              <a:buChar char="●"/>
-            </a:pPr>
-            <a:r>
-              <a:rPr lang="en" sz="1800"/>
-              <a:t>Patients</a:t>
-            </a:r>
-            <a:endParaRPr sz="1800"/>
-          </a:p>
-          <a:p>
-            <a:pPr indent="-342900" lvl="0" marL="457200" rtl="0" algn="l">
-              <a:spcBef>
-                <a:spcPts val="0"/>
-              </a:spcBef>
-              <a:spcAft>
-                <a:spcPts val="0"/>
-              </a:spcAft>
-              <a:buSzPts val="1800"/>
-              <a:buChar char="●"/>
-            </a:pPr>
-            <a:r>
-              <a:rPr lang="en" sz="1800"/>
-              <a:t>Doctors</a:t>
-            </a:r>
-            <a:endParaRPr sz="1800"/>
-          </a:p>
-          <a:p>
-            <a:pPr indent="-342900" lvl="0" marL="457200" rtl="0" algn="l">
-              <a:spcBef>
-                <a:spcPts val="0"/>
-              </a:spcBef>
-              <a:spcAft>
-                <a:spcPts val="0"/>
-              </a:spcAft>
-              <a:buSzPts val="1800"/>
-              <a:buChar char="●"/>
-            </a:pPr>
-            <a:r>
-              <a:rPr lang="en" sz="1800"/>
-              <a:t>Nurses</a:t>
-            </a:r>
-            <a:endParaRPr sz="1800"/>
-          </a:p>
-          <a:p>
-            <a:pPr indent="-342900" lvl="0" marL="457200" rtl="0" algn="l">
-              <a:spcBef>
-                <a:spcPts val="0"/>
-              </a:spcBef>
-              <a:spcAft>
-                <a:spcPts val="0"/>
-              </a:spcAft>
-              <a:buSzPts val="1800"/>
-              <a:buChar char="●"/>
-            </a:pPr>
-            <a:r>
-              <a:rPr lang="en" sz="1800"/>
-              <a:t>First responders</a:t>
-            </a:r>
-            <a:endParaRPr sz="1800"/>
-          </a:p>
-        </p:txBody>
-      </p:sp>
+      </p:pic>
     </p:spTree>
   </p:cSld>
   <p:clrMapOvr>
@@ -11193,104 +11075,40 @@
             </a:pPr>
             <a:r>
               <a:rPr lang="en"/>
-              <a:t>Where</a:t>
+              <a:t>KEY</a:t>
             </a:r>
             <a:endParaRPr/>
           </a:p>
         </p:txBody>
       </p:sp>
-      <p:sp>
-        <p:nvSpPr>
+      <p:pic>
+        <p:nvPicPr>
           <p:cNvPr id="177" name="Google Shape;177;p20"/>
-          <p:cNvSpPr txBox="1"/>
-          <p:nvPr>
-            <p:ph idx="1" type="body"/>
-          </p:nvPr>
-        </p:nvSpPr>
+          <p:cNvPicPr preferRelativeResize="0"/>
+          <p:nvPr/>
+        </p:nvPicPr>
+        <p:blipFill>
+          <a:blip r:embed="rId3">
+            <a:alphaModFix/>
+          </a:blip>
+          <a:stretch>
+            <a:fillRect/>
+          </a:stretch>
+        </p:blipFill>
         <p:spPr>
           <a:xfrm>
-            <a:off x="1297500" y="1567550"/>
-            <a:ext cx="7038900" cy="2911200"/>
+            <a:off x="152400" y="2109425"/>
+            <a:ext cx="8839201" cy="834770"/>
           </a:xfrm>
           <a:prstGeom prst="rect">
             <a:avLst/>
           </a:prstGeom>
+          <a:noFill/>
+          <a:ln>
+            <a:noFill/>
+          </a:ln>
         </p:spPr>
-        <p:txBody>
-          <a:bodyPr anchorCtr="0" anchor="t" bIns="91425" lIns="91425" spcFirstLastPara="1" rIns="91425" wrap="square" tIns="91425">
-            <a:noAutofit/>
-          </a:bodyPr>
-          <a:lstStyle/>
-          <a:p>
-            <a:pPr indent="-342900" lvl="0" marL="457200" rtl="0" algn="l">
-              <a:spcBef>
-                <a:spcPts val="0"/>
-              </a:spcBef>
-              <a:spcAft>
-                <a:spcPts val="0"/>
-              </a:spcAft>
-              <a:buSzPts val="1800"/>
-              <a:buChar char="●"/>
-            </a:pPr>
-            <a:r>
-              <a:rPr lang="en" sz="1800"/>
-              <a:t>In the ambulance </a:t>
-            </a:r>
-            <a:endParaRPr sz="1800"/>
-          </a:p>
-          <a:p>
-            <a:pPr indent="-342900" lvl="0" marL="457200" rtl="0" algn="l">
-              <a:spcBef>
-                <a:spcPts val="0"/>
-              </a:spcBef>
-              <a:spcAft>
-                <a:spcPts val="0"/>
-              </a:spcAft>
-              <a:buSzPts val="1800"/>
-              <a:buChar char="●"/>
-            </a:pPr>
-            <a:r>
-              <a:rPr lang="en" sz="1800"/>
-              <a:t>In the ER</a:t>
-            </a:r>
-            <a:endParaRPr sz="1800"/>
-          </a:p>
-          <a:p>
-            <a:pPr indent="-342900" lvl="0" marL="457200" rtl="0" algn="l">
-              <a:spcBef>
-                <a:spcPts val="0"/>
-              </a:spcBef>
-              <a:spcAft>
-                <a:spcPts val="0"/>
-              </a:spcAft>
-              <a:buSzPts val="1800"/>
-              <a:buChar char="●"/>
-            </a:pPr>
-            <a:r>
-              <a:rPr lang="en" sz="1800"/>
-              <a:t>In patient</a:t>
-            </a:r>
-            <a:endParaRPr sz="1800"/>
-          </a:p>
-          <a:p>
-            <a:pPr indent="-342900" lvl="0" marL="457200" rtl="0" algn="l">
-              <a:spcBef>
-                <a:spcPts val="0"/>
-              </a:spcBef>
-              <a:spcAft>
-                <a:spcPts val="0"/>
-              </a:spcAft>
-              <a:buSzPts val="1800"/>
-              <a:buChar char="●"/>
-            </a:pPr>
-            <a:r>
-              <a:rPr lang="en" sz="1800"/>
-              <a:t>Out patient</a:t>
-            </a:r>
-            <a:endParaRPr sz="1800"/>
-          </a:p>
-        </p:txBody>
-      </p:sp>
+      </p:pic>
     </p:spTree>
   </p:cSld>
   <p:clrMapOvr>
@@ -11350,40 +11168,51 @@
             </a:pPr>
             <a:r>
               <a:rPr lang="en"/>
-              <a:t>Context Diagram</a:t>
+              <a:t>Demo</a:t>
             </a:r>
             <a:endParaRPr/>
           </a:p>
         </p:txBody>
       </p:sp>
-      <p:pic>
-        <p:nvPicPr>
+      <p:sp>
+        <p:nvSpPr>
           <p:cNvPr id="183" name="Google Shape;183;p21"/>
-          <p:cNvPicPr preferRelativeResize="0"/>
-          <p:nvPr/>
-        </p:nvPicPr>
-        <p:blipFill>
-          <a:blip r:embed="rId3">
-            <a:alphaModFix/>
-          </a:blip>
-          <a:stretch>
-            <a:fillRect/>
-          </a:stretch>
-        </p:blipFill>
+          <p:cNvSpPr txBox="1"/>
+          <p:nvPr>
+            <p:ph idx="1" type="body"/>
+          </p:nvPr>
+        </p:nvSpPr>
         <p:spPr>
           <a:xfrm>
-            <a:off x="1493875" y="1473725"/>
-            <a:ext cx="5943600" cy="2686050"/>
+            <a:off x="1297500" y="1567550"/>
+            <a:ext cx="7038900" cy="2911200"/>
           </a:xfrm>
           <a:prstGeom prst="rect">
             <a:avLst/>
           </a:prstGeom>
-          <a:noFill/>
-          <a:ln>
-            <a:noFill/>
-          </a:ln>
         </p:spPr>
-      </p:pic>
+        <p:txBody>
+          <a:bodyPr anchorCtr="0" anchor="t" bIns="91425" lIns="91425" spcFirstLastPara="1" rIns="91425" wrap="square" tIns="91425">
+            <a:noAutofit/>
+          </a:bodyPr>
+          <a:lstStyle/>
+          <a:p>
+            <a:pPr indent="0" lvl="0" marL="0" rtl="0" algn="l">
+              <a:spcBef>
+                <a:spcPts val="0"/>
+              </a:spcBef>
+              <a:spcAft>
+                <a:spcPts val="1600"/>
+              </a:spcAft>
+              <a:buNone/>
+            </a:pPr>
+            <a:r>
+              <a:t/>
+            </a:r>
+            <a:endParaRPr/>
+          </a:p>
+        </p:txBody>
+      </p:sp>
     </p:spTree>
   </p:cSld>
   <p:clrMapOvr>

--- a/Pitch_PowerPoint.pptx
+++ b/Pitch_PowerPoint.pptx
@@ -18,23 +18,26 @@
     <p:sldId id="263" r:id="rId13"/>
     <p:sldId id="264" r:id="rId14"/>
     <p:sldId id="265" r:id="rId15"/>
+    <p:sldId id="266" r:id="rId16"/>
+    <p:sldId id="267" r:id="rId17"/>
+    <p:sldId id="268" r:id="rId18"/>
   </p:sldIdLst>
   <p:sldSz cy="5143500" cx="9144000"/>
   <p:notesSz cx="6858000" cy="9144000"/>
   <p:embeddedFontLst>
     <p:embeddedFont>
       <p:font typeface="Montserrat"/>
-      <p:regular r:id="rId16"/>
-      <p:bold r:id="rId17"/>
-      <p:italic r:id="rId18"/>
-      <p:boldItalic r:id="rId19"/>
+      <p:regular r:id="rId19"/>
+      <p:bold r:id="rId20"/>
+      <p:italic r:id="rId21"/>
+      <p:boldItalic r:id="rId22"/>
     </p:embeddedFont>
     <p:embeddedFont>
       <p:font typeface="Lato"/>
-      <p:regular r:id="rId20"/>
-      <p:bold r:id="rId21"/>
-      <p:italic r:id="rId22"/>
-      <p:boldItalic r:id="rId23"/>
+      <p:regular r:id="rId23"/>
+      <p:bold r:id="rId24"/>
+      <p:italic r:id="rId25"/>
+      <p:boldItalic r:id="rId26"/>
     </p:embeddedFont>
   </p:embeddedFontLst>
   <p:defaultTextStyle>
@@ -815,7 +818,7 @@
   <p:cSld>
     <p:spTree>
       <p:nvGrpSpPr>
-        <p:cNvPr id="184" name="Shape 184"/>
+        <p:cNvPr id="185" name="Shape 185"/>
         <p:cNvGrpSpPr/>
         <p:nvPr/>
       </p:nvGrpSpPr>
@@ -829,7 +832,7 @@
       </p:grpSpPr>
       <p:sp>
         <p:nvSpPr>
-          <p:cNvPr id="185" name="Google Shape;185;g7e339a7de6_0_155:notes"/>
+          <p:cNvPr id="186" name="Google Shape;186;g7e339a7de6_0_150:notes"/>
           <p:cNvSpPr/>
           <p:nvPr>
             <p:ph idx="2" type="sldImg"/>
@@ -864,7 +867,304 @@
       </p:sp>
       <p:sp>
         <p:nvSpPr>
-          <p:cNvPr id="186" name="Google Shape;186;g7e339a7de6_0_155:notes"/>
+          <p:cNvPr id="187" name="Google Shape;187;g7e339a7de6_0_150:notes"/>
+          <p:cNvSpPr txBox="1"/>
+          <p:nvPr>
+            <p:ph idx="1" type="body"/>
+          </p:nvPr>
+        </p:nvSpPr>
+        <p:spPr>
+          <a:xfrm>
+            <a:off x="685800" y="4343400"/>
+            <a:ext cx="5486400" cy="4114800"/>
+          </a:xfrm>
+          <a:prstGeom prst="rect">
+            <a:avLst/>
+          </a:prstGeom>
+        </p:spPr>
+        <p:txBody>
+          <a:bodyPr anchorCtr="0" anchor="t" bIns="91425" lIns="91425" spcFirstLastPara="1" rIns="91425" wrap="square" tIns="91425">
+            <a:noAutofit/>
+          </a:bodyPr>
+          <a:lstStyle/>
+          <a:p>
+            <a:pPr indent="0" lvl="0" marL="0" rtl="0" algn="l">
+              <a:spcBef>
+                <a:spcPts val="0"/>
+              </a:spcBef>
+              <a:spcAft>
+                <a:spcPts val="0"/>
+              </a:spcAft>
+              <a:buNone/>
+            </a:pPr>
+            <a:r>
+              <a:t/>
+            </a:r>
+            <a:endParaRPr/>
+          </a:p>
+        </p:txBody>
+      </p:sp>
+    </p:spTree>
+  </p:cSld>
+  <p:clrMapOvr>
+    <a:masterClrMapping/>
+  </p:clrMapOvr>
+</p:notes>
+</file>
+
+<file path=ppt/notesSlides/notesSlide11.xml><?xml version="1.0" encoding="utf-8"?>
+<p:notes xmlns:a="http://schemas.openxmlformats.org/drawingml/2006/main" xmlns:r="http://schemas.openxmlformats.org/officeDocument/2006/relationships" xmlns:mc="http://schemas.openxmlformats.org/markup-compatibility/2006" xmlns:mv="urn:schemas-microsoft-com:mac:vml" xmlns:p="http://schemas.openxmlformats.org/presentationml/2006/main" xmlns:c="http://schemas.openxmlformats.org/drawingml/2006/chart" xmlns:dgm="http://schemas.openxmlformats.org/drawingml/2006/diagram" xmlns:o="urn:schemas-microsoft-com:office:office" xmlns:v="urn:schemas-microsoft-com:vml" xmlns:pvml="urn:schemas-microsoft-com:office:powerpoint" xmlns:com="http://schemas.openxmlformats.org/drawingml/2006/compatibility" xmlns:p14="http://schemas.microsoft.com/office/powerpoint/2010/main" xmlns:p15="http://schemas.microsoft.com/office/powerpoint/2012/main" showMasterPhAnim="0" showMasterSp="0">
+  <p:cSld>
+    <p:spTree>
+      <p:nvGrpSpPr>
+        <p:cNvPr id="192" name="Shape 192"/>
+        <p:cNvGrpSpPr/>
+        <p:nvPr/>
+      </p:nvGrpSpPr>
+      <p:grpSpPr>
+        <a:xfrm>
+          <a:off x="0" y="0"/>
+          <a:ext cx="0" cy="0"/>
+          <a:chOff x="0" y="0"/>
+          <a:chExt cx="0" cy="0"/>
+        </a:xfrm>
+      </p:grpSpPr>
+      <p:sp>
+        <p:nvSpPr>
+          <p:cNvPr id="193" name="Google Shape;193;g702dbc999b_2_0:notes"/>
+          <p:cNvSpPr/>
+          <p:nvPr>
+            <p:ph idx="2" type="sldImg"/>
+          </p:nvPr>
+        </p:nvSpPr>
+        <p:spPr>
+          <a:xfrm>
+            <a:off x="381300" y="685800"/>
+            <a:ext cx="6096000" cy="3429000"/>
+          </a:xfrm>
+          <a:custGeom>
+            <a:rect b="b" l="l" r="r" t="t"/>
+            <a:pathLst>
+              <a:path extrusionOk="0" h="120000" w="120000">
+                <a:moveTo>
+                  <a:pt x="0" y="0"/>
+                </a:moveTo>
+                <a:lnTo>
+                  <a:pt x="120000" y="0"/>
+                </a:lnTo>
+                <a:lnTo>
+                  <a:pt x="120000" y="120000"/>
+                </a:lnTo>
+                <a:lnTo>
+                  <a:pt x="0" y="120000"/>
+                </a:lnTo>
+                <a:close/>
+              </a:path>
+            </a:pathLst>
+          </a:custGeom>
+        </p:spPr>
+      </p:sp>
+      <p:sp>
+        <p:nvSpPr>
+          <p:cNvPr id="194" name="Google Shape;194;g702dbc999b_2_0:notes"/>
+          <p:cNvSpPr txBox="1"/>
+          <p:nvPr>
+            <p:ph idx="1" type="body"/>
+          </p:nvPr>
+        </p:nvSpPr>
+        <p:spPr>
+          <a:xfrm>
+            <a:off x="685800" y="4343400"/>
+            <a:ext cx="5486400" cy="4114800"/>
+          </a:xfrm>
+          <a:prstGeom prst="rect">
+            <a:avLst/>
+          </a:prstGeom>
+        </p:spPr>
+        <p:txBody>
+          <a:bodyPr anchorCtr="0" anchor="t" bIns="91425" lIns="91425" spcFirstLastPara="1" rIns="91425" wrap="square" tIns="91425">
+            <a:noAutofit/>
+          </a:bodyPr>
+          <a:lstStyle/>
+          <a:p>
+            <a:pPr indent="0" lvl="0" marL="0" rtl="0" algn="l">
+              <a:spcBef>
+                <a:spcPts val="0"/>
+              </a:spcBef>
+              <a:spcAft>
+                <a:spcPts val="0"/>
+              </a:spcAft>
+              <a:buNone/>
+            </a:pPr>
+            <a:r>
+              <a:t/>
+            </a:r>
+            <a:endParaRPr/>
+          </a:p>
+        </p:txBody>
+      </p:sp>
+    </p:spTree>
+  </p:cSld>
+  <p:clrMapOvr>
+    <a:masterClrMapping/>
+  </p:clrMapOvr>
+</p:notes>
+</file>
+
+<file path=ppt/notesSlides/notesSlide12.xml><?xml version="1.0" encoding="utf-8"?>
+<p:notes xmlns:a="http://schemas.openxmlformats.org/drawingml/2006/main" xmlns:r="http://schemas.openxmlformats.org/officeDocument/2006/relationships" xmlns:mc="http://schemas.openxmlformats.org/markup-compatibility/2006" xmlns:mv="urn:schemas-microsoft-com:mac:vml" xmlns:p="http://schemas.openxmlformats.org/presentationml/2006/main" xmlns:c="http://schemas.openxmlformats.org/drawingml/2006/chart" xmlns:dgm="http://schemas.openxmlformats.org/drawingml/2006/diagram" xmlns:o="urn:schemas-microsoft-com:office:office" xmlns:v="urn:schemas-microsoft-com:vml" xmlns:pvml="urn:schemas-microsoft-com:office:powerpoint" xmlns:com="http://schemas.openxmlformats.org/drawingml/2006/compatibility" xmlns:p14="http://schemas.microsoft.com/office/powerpoint/2010/main" xmlns:p15="http://schemas.microsoft.com/office/powerpoint/2012/main" showMasterPhAnim="0" showMasterSp="0">
+  <p:cSld>
+    <p:spTree>
+      <p:nvGrpSpPr>
+        <p:cNvPr id="198" name="Shape 198"/>
+        <p:cNvGrpSpPr/>
+        <p:nvPr/>
+      </p:nvGrpSpPr>
+      <p:grpSpPr>
+        <a:xfrm>
+          <a:off x="0" y="0"/>
+          <a:ext cx="0" cy="0"/>
+          <a:chOff x="0" y="0"/>
+          <a:chExt cx="0" cy="0"/>
+        </a:xfrm>
+      </p:grpSpPr>
+      <p:sp>
+        <p:nvSpPr>
+          <p:cNvPr id="199" name="Google Shape;199;g7e339a7de6_0_155:notes"/>
+          <p:cNvSpPr/>
+          <p:nvPr>
+            <p:ph idx="2" type="sldImg"/>
+          </p:nvPr>
+        </p:nvSpPr>
+        <p:spPr>
+          <a:xfrm>
+            <a:off x="381300" y="685800"/>
+            <a:ext cx="6096000" cy="3429000"/>
+          </a:xfrm>
+          <a:custGeom>
+            <a:rect b="b" l="l" r="r" t="t"/>
+            <a:pathLst>
+              <a:path extrusionOk="0" h="120000" w="120000">
+                <a:moveTo>
+                  <a:pt x="0" y="0"/>
+                </a:moveTo>
+                <a:lnTo>
+                  <a:pt x="120000" y="0"/>
+                </a:lnTo>
+                <a:lnTo>
+                  <a:pt x="120000" y="120000"/>
+                </a:lnTo>
+                <a:lnTo>
+                  <a:pt x="0" y="120000"/>
+                </a:lnTo>
+                <a:close/>
+              </a:path>
+            </a:pathLst>
+          </a:custGeom>
+        </p:spPr>
+      </p:sp>
+      <p:sp>
+        <p:nvSpPr>
+          <p:cNvPr id="200" name="Google Shape;200;g7e339a7de6_0_155:notes"/>
+          <p:cNvSpPr txBox="1"/>
+          <p:nvPr>
+            <p:ph idx="1" type="body"/>
+          </p:nvPr>
+        </p:nvSpPr>
+        <p:spPr>
+          <a:xfrm>
+            <a:off x="685800" y="4343400"/>
+            <a:ext cx="5486400" cy="4114800"/>
+          </a:xfrm>
+          <a:prstGeom prst="rect">
+            <a:avLst/>
+          </a:prstGeom>
+        </p:spPr>
+        <p:txBody>
+          <a:bodyPr anchorCtr="0" anchor="t" bIns="91425" lIns="91425" spcFirstLastPara="1" rIns="91425" wrap="square" tIns="91425">
+            <a:noAutofit/>
+          </a:bodyPr>
+          <a:lstStyle/>
+          <a:p>
+            <a:pPr indent="0" lvl="0" marL="0" rtl="0" algn="l">
+              <a:spcBef>
+                <a:spcPts val="0"/>
+              </a:spcBef>
+              <a:spcAft>
+                <a:spcPts val="0"/>
+              </a:spcAft>
+              <a:buNone/>
+            </a:pPr>
+            <a:r>
+              <a:t/>
+            </a:r>
+            <a:endParaRPr/>
+          </a:p>
+        </p:txBody>
+      </p:sp>
+    </p:spTree>
+  </p:cSld>
+  <p:clrMapOvr>
+    <a:masterClrMapping/>
+  </p:clrMapOvr>
+</p:notes>
+</file>
+
+<file path=ppt/notesSlides/notesSlide13.xml><?xml version="1.0" encoding="utf-8"?>
+<p:notes xmlns:a="http://schemas.openxmlformats.org/drawingml/2006/main" xmlns:r="http://schemas.openxmlformats.org/officeDocument/2006/relationships" xmlns:mc="http://schemas.openxmlformats.org/markup-compatibility/2006" xmlns:mv="urn:schemas-microsoft-com:mac:vml" xmlns:p="http://schemas.openxmlformats.org/presentationml/2006/main" xmlns:c="http://schemas.openxmlformats.org/drawingml/2006/chart" xmlns:dgm="http://schemas.openxmlformats.org/drawingml/2006/diagram" xmlns:o="urn:schemas-microsoft-com:office:office" xmlns:v="urn:schemas-microsoft-com:vml" xmlns:pvml="urn:schemas-microsoft-com:office:powerpoint" xmlns:com="http://schemas.openxmlformats.org/drawingml/2006/compatibility" xmlns:p14="http://schemas.microsoft.com/office/powerpoint/2010/main" xmlns:p15="http://schemas.microsoft.com/office/powerpoint/2012/main" showMasterPhAnim="0" showMasterSp="0">
+  <p:cSld>
+    <p:spTree>
+      <p:nvGrpSpPr>
+        <p:cNvPr id="203" name="Shape 203"/>
+        <p:cNvGrpSpPr/>
+        <p:nvPr/>
+      </p:nvGrpSpPr>
+      <p:grpSpPr>
+        <a:xfrm>
+          <a:off x="0" y="0"/>
+          <a:ext cx="0" cy="0"/>
+          <a:chOff x="0" y="0"/>
+          <a:chExt cx="0" cy="0"/>
+        </a:xfrm>
+      </p:grpSpPr>
+      <p:sp>
+        <p:nvSpPr>
+          <p:cNvPr id="204" name="Google Shape;204;g702dbc999b_2_10:notes"/>
+          <p:cNvSpPr/>
+          <p:nvPr>
+            <p:ph idx="2" type="sldImg"/>
+          </p:nvPr>
+        </p:nvSpPr>
+        <p:spPr>
+          <a:xfrm>
+            <a:off x="381300" y="685800"/>
+            <a:ext cx="6096000" cy="3429000"/>
+          </a:xfrm>
+          <a:custGeom>
+            <a:rect b="b" l="l" r="r" t="t"/>
+            <a:pathLst>
+              <a:path extrusionOk="0" h="120000" w="120000">
+                <a:moveTo>
+                  <a:pt x="0" y="0"/>
+                </a:moveTo>
+                <a:lnTo>
+                  <a:pt x="120000" y="0"/>
+                </a:lnTo>
+                <a:lnTo>
+                  <a:pt x="120000" y="120000"/>
+                </a:lnTo>
+                <a:lnTo>
+                  <a:pt x="0" y="120000"/>
+                </a:lnTo>
+                <a:close/>
+              </a:path>
+            </a:pathLst>
+          </a:custGeom>
+        </p:spPr>
+      </p:sp>
+      <p:sp>
+        <p:nvSpPr>
+          <p:cNvPr id="205" name="Google Shape;205;g702dbc999b_2_10:notes"/>
           <p:cNvSpPr txBox="1"/>
           <p:nvPr>
             <p:ph idx="1" type="body"/>
@@ -1423,7 +1723,7 @@
       </p:grpSpPr>
       <p:sp>
         <p:nvSpPr>
-          <p:cNvPr id="167" name="Google Shape;167;g7e339a7de6_0_160:notes"/>
+          <p:cNvPr id="167" name="Google Shape;167;g7047e47d6c_0_0:notes"/>
           <p:cNvSpPr/>
           <p:nvPr>
             <p:ph idx="2" type="sldImg"/>
@@ -1458,7 +1758,7 @@
       </p:sp>
       <p:sp>
         <p:nvSpPr>
-          <p:cNvPr id="168" name="Google Shape;168;g7e339a7de6_0_160:notes"/>
+          <p:cNvPr id="168" name="Google Shape;168;g7047e47d6c_0_0:notes"/>
           <p:cNvSpPr txBox="1"/>
           <p:nvPr>
             <p:ph idx="1" type="body"/>
@@ -1508,7 +1808,7 @@
   <p:cSld>
     <p:spTree>
       <p:nvGrpSpPr>
-        <p:cNvPr id="172" name="Shape 172"/>
+        <p:cNvPr id="173" name="Shape 173"/>
         <p:cNvGrpSpPr/>
         <p:nvPr/>
       </p:nvGrpSpPr>
@@ -1522,7 +1822,7 @@
       </p:grpSpPr>
       <p:sp>
         <p:nvSpPr>
-          <p:cNvPr id="173" name="Google Shape;173;g6ff1cbd956_2_0:notes"/>
+          <p:cNvPr id="174" name="Google Shape;174;g7e339a7de6_0_160:notes"/>
           <p:cNvSpPr/>
           <p:nvPr>
             <p:ph idx="2" type="sldImg"/>
@@ -1557,7 +1857,7 @@
       </p:sp>
       <p:sp>
         <p:nvSpPr>
-          <p:cNvPr id="174" name="Google Shape;174;g6ff1cbd956_2_0:notes"/>
+          <p:cNvPr id="175" name="Google Shape;175;g7e339a7de6_0_160:notes"/>
           <p:cNvSpPr txBox="1"/>
           <p:nvPr>
             <p:ph idx="1" type="body"/>
@@ -1607,7 +1907,7 @@
   <p:cSld>
     <p:spTree>
       <p:nvGrpSpPr>
-        <p:cNvPr id="178" name="Shape 178"/>
+        <p:cNvPr id="179" name="Shape 179"/>
         <p:cNvGrpSpPr/>
         <p:nvPr/>
       </p:nvGrpSpPr>
@@ -1621,7 +1921,7 @@
       </p:grpSpPr>
       <p:sp>
         <p:nvSpPr>
-          <p:cNvPr id="179" name="Google Shape;179;g7e339a7de6_0_150:notes"/>
+          <p:cNvPr id="180" name="Google Shape;180;g6ff1cbd956_2_0:notes"/>
           <p:cNvSpPr/>
           <p:nvPr>
             <p:ph idx="2" type="sldImg"/>
@@ -1656,7 +1956,7 @@
       </p:sp>
       <p:sp>
         <p:nvSpPr>
-          <p:cNvPr id="180" name="Google Shape;180;g7e339a7de6_0_150:notes"/>
+          <p:cNvPr id="181" name="Google Shape;181;g6ff1cbd956_2_0:notes"/>
           <p:cNvSpPr txBox="1"/>
           <p:nvPr>
             <p:ph idx="1" type="body"/>
@@ -9931,8 +10231,8 @@
         </p:nvSpPr>
         <p:spPr>
           <a:xfrm>
-            <a:off x="3537150" y="1578400"/>
-            <a:ext cx="5017500" cy="1578900"/>
+            <a:off x="3071275" y="1038150"/>
+            <a:ext cx="5661600" cy="1981200"/>
           </a:xfrm>
           <a:prstGeom prst="rect">
             <a:avLst/>
@@ -9954,10 +10254,10 @@
               <a:buNone/>
             </a:pPr>
             <a:r>
-              <a:rPr lang="en"/>
+              <a:rPr lang="en" sz="6000"/>
               <a:t>Tri-Directional Speech</a:t>
             </a:r>
-            <a:endParaRPr/>
+            <a:endParaRPr sz="6000"/>
           </a:p>
         </p:txBody>
       </p:sp>
@@ -9971,8 +10271,8 @@
         </p:nvSpPr>
         <p:spPr>
           <a:xfrm>
-            <a:off x="5083950" y="3924925"/>
-            <a:ext cx="3470700" cy="506100"/>
+            <a:off x="6541050" y="3226700"/>
+            <a:ext cx="2013600" cy="1698900"/>
           </a:xfrm>
           <a:prstGeom prst="rect">
             <a:avLst/>
@@ -9994,10 +10294,89 @@
               <a:buNone/>
             </a:pPr>
             <a:r>
-              <a:rPr lang="en"/>
-              <a:t>Group 3 (Aka Nerd Group)</a:t>
+              <a:rPr lang="en" sz="2400"/>
+              <a:t>Group 3:</a:t>
             </a:r>
-            <a:endParaRPr/>
+            <a:endParaRPr sz="2400"/>
+          </a:p>
+          <a:p>
+            <a:pPr indent="0" lvl="0" marL="0" rtl="0" algn="l">
+              <a:spcBef>
+                <a:spcPts val="0"/>
+              </a:spcBef>
+              <a:spcAft>
+                <a:spcPts val="0"/>
+              </a:spcAft>
+              <a:buNone/>
+            </a:pPr>
+            <a:r>
+              <a:rPr lang="en" sz="1800"/>
+              <a:t>Marc  Bauman</a:t>
+            </a:r>
+            <a:endParaRPr sz="1800"/>
+          </a:p>
+          <a:p>
+            <a:pPr indent="0" lvl="0" marL="0" rtl="0" algn="l">
+              <a:spcBef>
+                <a:spcPts val="0"/>
+              </a:spcBef>
+              <a:spcAft>
+                <a:spcPts val="0"/>
+              </a:spcAft>
+              <a:buNone/>
+            </a:pPr>
+            <a:r>
+              <a:rPr lang="en" sz="1800"/>
+              <a:t>Kevin Coleman</a:t>
+            </a:r>
+            <a:endParaRPr sz="1800"/>
+          </a:p>
+          <a:p>
+            <a:pPr indent="0" lvl="0" marL="0" rtl="0" algn="l">
+              <a:spcBef>
+                <a:spcPts val="0"/>
+              </a:spcBef>
+              <a:spcAft>
+                <a:spcPts val="0"/>
+              </a:spcAft>
+              <a:buNone/>
+            </a:pPr>
+            <a:r>
+              <a:rPr lang="en" sz="1800"/>
+              <a:t>Edmund Gonzales</a:t>
+            </a:r>
+            <a:endParaRPr sz="1800"/>
+          </a:p>
+          <a:p>
+            <a:pPr indent="0" lvl="0" marL="0" rtl="0" algn="l">
+              <a:spcBef>
+                <a:spcPts val="0"/>
+              </a:spcBef>
+              <a:spcAft>
+                <a:spcPts val="0"/>
+              </a:spcAft>
+              <a:buNone/>
+            </a:pPr>
+            <a:r>
+              <a:rPr lang="en" sz="1800"/>
+              <a:t>Christian New</a:t>
+            </a:r>
+            <a:endParaRPr sz="1800"/>
+          </a:p>
+          <a:p>
+            <a:pPr indent="0" lvl="0" marL="0" rtl="0" algn="l">
+              <a:spcBef>
+                <a:spcPts val="0"/>
+              </a:spcBef>
+              <a:spcAft>
+                <a:spcPts val="0"/>
+              </a:spcAft>
+              <a:buNone/>
+            </a:pPr>
+            <a:r>
+              <a:t/>
+            </a:r>
+            <a:endParaRPr sz="1800"/>
           </a:p>
         </p:txBody>
       </p:sp>
@@ -10014,7 +10393,7 @@
   <p:cSld>
     <p:spTree>
       <p:nvGrpSpPr>
-        <p:cNvPr id="187" name="Shape 187"/>
+        <p:cNvPr id="188" name="Shape 188"/>
         <p:cNvGrpSpPr/>
         <p:nvPr/>
       </p:nvGrpSpPr>
@@ -10028,7 +10407,7 @@
       </p:grpSpPr>
       <p:sp>
         <p:nvSpPr>
-          <p:cNvPr id="188" name="Google Shape;188;p22"/>
+          <p:cNvPr id="189" name="Google Shape;189;p22"/>
           <p:cNvSpPr txBox="1"/>
           <p:nvPr>
             <p:ph type="title"/>
@@ -10036,8 +10415,8 @@
         </p:nvSpPr>
         <p:spPr>
           <a:xfrm>
-            <a:off x="3362300" y="2114700"/>
-            <a:ext cx="2269800" cy="914100"/>
+            <a:off x="1297500" y="393750"/>
+            <a:ext cx="7038900" cy="914100"/>
           </a:xfrm>
           <a:prstGeom prst="rect">
             <a:avLst/>
@@ -10059,10 +10438,325 @@
               <a:buNone/>
             </a:pPr>
             <a:r>
-              <a:rPr lang="en"/>
+              <a:rPr lang="en" sz="3600"/>
+              <a:t>Demo</a:t>
+            </a:r>
+            <a:endParaRPr sz="3600"/>
+          </a:p>
+        </p:txBody>
+      </p:sp>
+      <p:sp>
+        <p:nvSpPr>
+          <p:cNvPr id="190" name="Google Shape;190;p22"/>
+          <p:cNvSpPr txBox="1"/>
+          <p:nvPr>
+            <p:ph idx="1" type="body"/>
+          </p:nvPr>
+        </p:nvSpPr>
+        <p:spPr>
+          <a:xfrm>
+            <a:off x="694050" y="1471325"/>
+            <a:ext cx="7755900" cy="600900"/>
+          </a:xfrm>
+          <a:prstGeom prst="rect">
+            <a:avLst/>
+          </a:prstGeom>
+        </p:spPr>
+        <p:txBody>
+          <a:bodyPr anchorCtr="0" anchor="t" bIns="91425" lIns="91425" spcFirstLastPara="1" rIns="91425" wrap="square" tIns="91425">
+            <a:noAutofit/>
+          </a:bodyPr>
+          <a:lstStyle/>
+          <a:p>
+            <a:pPr indent="0" lvl="0" marL="0" rtl="0" algn="l">
+              <a:spcBef>
+                <a:spcPts val="0"/>
+              </a:spcBef>
+              <a:spcAft>
+                <a:spcPts val="0"/>
+              </a:spcAft>
+              <a:buNone/>
+            </a:pPr>
+            <a:r>
+              <a:rPr lang="en" sz="3000"/>
+              <a:t>“</a:t>
+            </a:r>
+            <a:r>
+              <a:rPr lang="en" sz="3000"/>
+              <a:t>Hello, this is Group Three!”</a:t>
+            </a:r>
+            <a:endParaRPr sz="3000"/>
+          </a:p>
+          <a:p>
+            <a:pPr indent="0" lvl="0" marL="0" rtl="0" algn="l">
+              <a:lnSpc>
+                <a:spcPct val="100000"/>
+              </a:lnSpc>
+              <a:spcBef>
+                <a:spcPts val="1600"/>
+              </a:spcBef>
+              <a:spcAft>
+                <a:spcPts val="1600"/>
+              </a:spcAft>
+              <a:buNone/>
+            </a:pPr>
+            <a:r>
+              <a:t/>
+            </a:r>
+            <a:endParaRPr sz="2400"/>
+          </a:p>
+        </p:txBody>
+      </p:sp>
+      <p:pic>
+        <p:nvPicPr>
+          <p:cNvPr id="191" name="Google Shape;191;p22"/>
+          <p:cNvPicPr preferRelativeResize="0"/>
+          <p:nvPr/>
+        </p:nvPicPr>
+        <p:blipFill>
+          <a:blip r:embed="rId3">
+            <a:alphaModFix/>
+          </a:blip>
+          <a:stretch>
+            <a:fillRect/>
+          </a:stretch>
+        </p:blipFill>
+        <p:spPr>
+          <a:xfrm>
+            <a:off x="144025" y="2072225"/>
+            <a:ext cx="8855948" cy="1533800"/>
+          </a:xfrm>
+          <a:prstGeom prst="rect">
+            <a:avLst/>
+          </a:prstGeom>
+          <a:noFill/>
+          <a:ln>
+            <a:noFill/>
+          </a:ln>
+        </p:spPr>
+      </p:pic>
+    </p:spTree>
+  </p:cSld>
+  <p:clrMapOvr>
+    <a:masterClrMapping/>
+  </p:clrMapOvr>
+</p:sld>
+</file>
+
+<file path=ppt/slides/slide11.xml><?xml version="1.0" encoding="utf-8"?>
+<p:sld xmlns:a="http://schemas.openxmlformats.org/drawingml/2006/main" xmlns:r="http://schemas.openxmlformats.org/officeDocument/2006/relationships" xmlns:mc="http://schemas.openxmlformats.org/markup-compatibility/2006" xmlns:mv="urn:schemas-microsoft-com:mac:vml" xmlns:p="http://schemas.openxmlformats.org/presentationml/2006/main" xmlns:c="http://schemas.openxmlformats.org/drawingml/2006/chart" xmlns:dgm="http://schemas.openxmlformats.org/drawingml/2006/diagram" xmlns:o="urn:schemas-microsoft-com:office:office" xmlns:v="urn:schemas-microsoft-com:vml" xmlns:pvml="urn:schemas-microsoft-com:office:powerpoint" xmlns:com="http://schemas.openxmlformats.org/drawingml/2006/compatibility" xmlns:p14="http://schemas.microsoft.com/office/powerpoint/2010/main" xmlns:p15="http://schemas.microsoft.com/office/powerpoint/2012/main">
+  <p:cSld>
+    <p:spTree>
+      <p:nvGrpSpPr>
+        <p:cNvPr id="195" name="Shape 195"/>
+        <p:cNvGrpSpPr/>
+        <p:nvPr/>
+      </p:nvGrpSpPr>
+      <p:grpSpPr>
+        <a:xfrm>
+          <a:off x="0" y="0"/>
+          <a:ext cx="0" cy="0"/>
+          <a:chOff x="0" y="0"/>
+          <a:chExt cx="0" cy="0"/>
+        </a:xfrm>
+      </p:grpSpPr>
+      <p:sp>
+        <p:nvSpPr>
+          <p:cNvPr id="196" name="Google Shape;196;p23"/>
+          <p:cNvSpPr txBox="1"/>
+          <p:nvPr>
+            <p:ph type="title"/>
+          </p:nvPr>
+        </p:nvSpPr>
+        <p:spPr>
+          <a:xfrm>
+            <a:off x="1233225" y="158000"/>
+            <a:ext cx="7038900" cy="914100"/>
+          </a:xfrm>
+          <a:prstGeom prst="rect">
+            <a:avLst/>
+          </a:prstGeom>
+        </p:spPr>
+        <p:txBody>
+          <a:bodyPr anchorCtr="0" anchor="t" bIns="91425" lIns="91425" spcFirstLastPara="1" rIns="91425" wrap="square" tIns="91425">
+            <a:noAutofit/>
+          </a:bodyPr>
+          <a:lstStyle/>
+          <a:p>
+            <a:pPr indent="0" lvl="0" marL="0" rtl="0" algn="l">
+              <a:spcBef>
+                <a:spcPts val="0"/>
+              </a:spcBef>
+              <a:spcAft>
+                <a:spcPts val="0"/>
+              </a:spcAft>
+              <a:buNone/>
+            </a:pPr>
+            <a:r>
+              <a:rPr lang="en" sz="3600"/>
+              <a:t>Demo</a:t>
+            </a:r>
+            <a:endParaRPr sz="3600"/>
+          </a:p>
+        </p:txBody>
+      </p:sp>
+      <p:pic>
+        <p:nvPicPr>
+          <p:cNvPr id="197" name="Google Shape;197;p23" title="TDI_Demo.mp4">
+            <a:hlinkClick r:id="rId3"/>
+          </p:cNvPr>
+          <p:cNvPicPr preferRelativeResize="0"/>
+          <p:nvPr/>
+        </p:nvPicPr>
+        <p:blipFill>
+          <a:blip r:embed="rId4">
+            <a:alphaModFix/>
+          </a:blip>
+          <a:stretch>
+            <a:fillRect/>
+          </a:stretch>
+        </p:blipFill>
+        <p:spPr>
+          <a:xfrm>
+            <a:off x="1493050" y="779578"/>
+            <a:ext cx="5704277" cy="4278200"/>
+          </a:xfrm>
+          <a:prstGeom prst="rect">
+            <a:avLst/>
+          </a:prstGeom>
+          <a:noFill/>
+          <a:ln>
+            <a:noFill/>
+          </a:ln>
+        </p:spPr>
+      </p:pic>
+    </p:spTree>
+  </p:cSld>
+  <p:clrMapOvr>
+    <a:masterClrMapping/>
+  </p:clrMapOvr>
+</p:sld>
+</file>
+
+<file path=ppt/slides/slide12.xml><?xml version="1.0" encoding="utf-8"?>
+<p:sld xmlns:a="http://schemas.openxmlformats.org/drawingml/2006/main" xmlns:r="http://schemas.openxmlformats.org/officeDocument/2006/relationships" xmlns:mc="http://schemas.openxmlformats.org/markup-compatibility/2006" xmlns:mv="urn:schemas-microsoft-com:mac:vml" xmlns:p="http://schemas.openxmlformats.org/presentationml/2006/main" xmlns:c="http://schemas.openxmlformats.org/drawingml/2006/chart" xmlns:dgm="http://schemas.openxmlformats.org/drawingml/2006/diagram" xmlns:o="urn:schemas-microsoft-com:office:office" xmlns:v="urn:schemas-microsoft-com:vml" xmlns:pvml="urn:schemas-microsoft-com:office:powerpoint" xmlns:com="http://schemas.openxmlformats.org/drawingml/2006/compatibility" xmlns:p14="http://schemas.microsoft.com/office/powerpoint/2010/main" xmlns:p15="http://schemas.microsoft.com/office/powerpoint/2012/main">
+  <p:cSld>
+    <p:spTree>
+      <p:nvGrpSpPr>
+        <p:cNvPr id="201" name="Shape 201"/>
+        <p:cNvGrpSpPr/>
+        <p:nvPr/>
+      </p:nvGrpSpPr>
+      <p:grpSpPr>
+        <a:xfrm>
+          <a:off x="0" y="0"/>
+          <a:ext cx="0" cy="0"/>
+          <a:chOff x="0" y="0"/>
+          <a:chExt cx="0" cy="0"/>
+        </a:xfrm>
+      </p:grpSpPr>
+      <p:sp>
+        <p:nvSpPr>
+          <p:cNvPr id="202" name="Google Shape;202;p24"/>
+          <p:cNvSpPr txBox="1"/>
+          <p:nvPr>
+            <p:ph type="title"/>
+          </p:nvPr>
+        </p:nvSpPr>
+        <p:spPr>
+          <a:xfrm>
+            <a:off x="823850" y="866775"/>
+            <a:ext cx="4587000" cy="3521100"/>
+          </a:xfrm>
+          <a:prstGeom prst="rect">
+            <a:avLst/>
+          </a:prstGeom>
+        </p:spPr>
+        <p:txBody>
+          <a:bodyPr anchorCtr="0" anchor="ctr" bIns="91425" lIns="91425" spcFirstLastPara="1" rIns="91425" wrap="square" tIns="91425">
+            <a:noAutofit/>
+          </a:bodyPr>
+          <a:lstStyle/>
+          <a:p>
+            <a:pPr indent="0" lvl="0" marL="0" rtl="0" algn="l">
+              <a:spcBef>
+                <a:spcPts val="0"/>
+              </a:spcBef>
+              <a:spcAft>
+                <a:spcPts val="0"/>
+              </a:spcAft>
+              <a:buNone/>
+            </a:pPr>
+            <a:r>
+              <a:rPr lang="en" sz="4800"/>
               <a:t>QUESTIONS?</a:t>
             </a:r>
-            <a:endParaRPr/>
+            <a:endParaRPr sz="4800"/>
+          </a:p>
+        </p:txBody>
+      </p:sp>
+    </p:spTree>
+  </p:cSld>
+  <p:clrMapOvr>
+    <a:masterClrMapping/>
+  </p:clrMapOvr>
+</p:sld>
+</file>
+
+<file path=ppt/slides/slide13.xml><?xml version="1.0" encoding="utf-8"?>
+<p:sld xmlns:a="http://schemas.openxmlformats.org/drawingml/2006/main" xmlns:r="http://schemas.openxmlformats.org/officeDocument/2006/relationships" xmlns:mc="http://schemas.openxmlformats.org/markup-compatibility/2006" xmlns:mv="urn:schemas-microsoft-com:mac:vml" xmlns:p="http://schemas.openxmlformats.org/presentationml/2006/main" xmlns:c="http://schemas.openxmlformats.org/drawingml/2006/chart" xmlns:dgm="http://schemas.openxmlformats.org/drawingml/2006/diagram" xmlns:o="urn:schemas-microsoft-com:office:office" xmlns:v="urn:schemas-microsoft-com:vml" xmlns:pvml="urn:schemas-microsoft-com:office:powerpoint" xmlns:com="http://schemas.openxmlformats.org/drawingml/2006/compatibility" xmlns:p14="http://schemas.microsoft.com/office/powerpoint/2010/main" xmlns:p15="http://schemas.microsoft.com/office/powerpoint/2012/main">
+  <p:cSld>
+    <p:spTree>
+      <p:nvGrpSpPr>
+        <p:cNvPr id="206" name="Shape 206"/>
+        <p:cNvGrpSpPr/>
+        <p:nvPr/>
+      </p:nvGrpSpPr>
+      <p:grpSpPr>
+        <a:xfrm>
+          <a:off x="0" y="0"/>
+          <a:ext cx="0" cy="0"/>
+          <a:chOff x="0" y="0"/>
+          <a:chExt cx="0" cy="0"/>
+        </a:xfrm>
+      </p:grpSpPr>
+      <p:sp>
+        <p:nvSpPr>
+          <p:cNvPr id="207" name="Google Shape;207;p25"/>
+          <p:cNvSpPr txBox="1"/>
+          <p:nvPr>
+            <p:ph type="title"/>
+          </p:nvPr>
+        </p:nvSpPr>
+        <p:spPr>
+          <a:xfrm>
+            <a:off x="266425" y="866775"/>
+            <a:ext cx="6394200" cy="3521100"/>
+          </a:xfrm>
+          <a:prstGeom prst="rect">
+            <a:avLst/>
+          </a:prstGeom>
+        </p:spPr>
+        <p:txBody>
+          <a:bodyPr anchorCtr="0" anchor="ctr" bIns="91425" lIns="91425" spcFirstLastPara="1" rIns="91425" wrap="square" tIns="91425">
+            <a:noAutofit/>
+          </a:bodyPr>
+          <a:lstStyle/>
+          <a:p>
+            <a:pPr indent="0" lvl="0" marL="0" rtl="0" algn="l">
+              <a:spcBef>
+                <a:spcPts val="0"/>
+              </a:spcBef>
+              <a:spcAft>
+                <a:spcPts val="0"/>
+              </a:spcAft>
+              <a:buNone/>
+            </a:pPr>
+            <a:r>
+              <a:rPr lang="en" sz="3600"/>
+              <a:t>Thank you for your time!</a:t>
+            </a:r>
+            <a:endParaRPr sz="3600"/>
           </a:p>
         </p:txBody>
       </p:sp>
@@ -10124,10 +10818,10 @@
               <a:buNone/>
             </a:pPr>
             <a:r>
-              <a:rPr lang="en"/>
+              <a:rPr lang="en" sz="3600"/>
               <a:t>What </a:t>
             </a:r>
-            <a:endParaRPr/>
+            <a:endParaRPr sz="3600"/>
           </a:p>
         </p:txBody>
       </p:sp>
@@ -10154,55 +10848,55 @@
           </a:bodyPr>
           <a:lstStyle/>
           <a:p>
-            <a:pPr indent="-381000" lvl="0" marL="457200" rtl="0" algn="l">
-              <a:spcBef>
-                <a:spcPts val="0"/>
-              </a:spcBef>
-              <a:spcAft>
-                <a:spcPts val="0"/>
-              </a:spcAft>
-              <a:buSzPts val="2400"/>
+            <a:pPr indent="-419100" lvl="0" marL="457200" rtl="0" algn="l">
+              <a:spcBef>
+                <a:spcPts val="0"/>
+              </a:spcBef>
+              <a:spcAft>
+                <a:spcPts val="0"/>
+              </a:spcAft>
+              <a:buSzPts val="3000"/>
               <a:buChar char="●"/>
             </a:pPr>
             <a:r>
-              <a:rPr lang="en" sz="2400"/>
+              <a:rPr lang="en" sz="3000"/>
               <a:t>Tri- directional speech</a:t>
             </a:r>
-            <a:endParaRPr sz="2400"/>
+            <a:endParaRPr sz="3000"/>
           </a:p>
           <a:p>
-            <a:pPr indent="-381000" lvl="0" marL="457200" rtl="0" algn="l">
-              <a:spcBef>
-                <a:spcPts val="0"/>
-              </a:spcBef>
-              <a:spcAft>
-                <a:spcPts val="0"/>
-              </a:spcAft>
-              <a:buSzPts val="2400"/>
+            <a:pPr indent="-419100" lvl="0" marL="457200" rtl="0" algn="l">
+              <a:spcBef>
+                <a:spcPts val="0"/>
+              </a:spcBef>
+              <a:spcAft>
+                <a:spcPts val="0"/>
+              </a:spcAft>
+              <a:buSzPts val="3000"/>
               <a:buChar char="●"/>
             </a:pPr>
             <a:r>
-              <a:rPr lang="en" sz="2400"/>
+              <a:rPr lang="en" sz="3000"/>
               <a:t>Allows the means of communication using only directions</a:t>
             </a:r>
-            <a:endParaRPr sz="2400"/>
+            <a:endParaRPr sz="3000"/>
           </a:p>
           <a:p>
-            <a:pPr indent="-381000" lvl="0" marL="457200" rtl="0" algn="l">
-              <a:spcBef>
-                <a:spcPts val="0"/>
-              </a:spcBef>
-              <a:spcAft>
-                <a:spcPts val="0"/>
-              </a:spcAft>
-              <a:buSzPts val="2400"/>
+            <a:pPr indent="-419100" lvl="0" marL="457200" rtl="0" algn="l">
+              <a:spcBef>
+                <a:spcPts val="0"/>
+              </a:spcBef>
+              <a:spcAft>
+                <a:spcPts val="0"/>
+              </a:spcAft>
+              <a:buSzPts val="3000"/>
               <a:buChar char="●"/>
             </a:pPr>
             <a:r>
-              <a:rPr lang="en" sz="2400"/>
+              <a:rPr lang="en" sz="3000"/>
               <a:t>Requires device and literacy</a:t>
             </a:r>
-            <a:endParaRPr sz="2400"/>
+            <a:endParaRPr sz="3000"/>
           </a:p>
         </p:txBody>
       </p:sp>
@@ -10264,10 +10958,10 @@
               <a:buNone/>
             </a:pPr>
             <a:r>
-              <a:rPr lang="en"/>
+              <a:rPr lang="en" sz="3600"/>
               <a:t>Who</a:t>
             </a:r>
-            <a:endParaRPr/>
+            <a:endParaRPr sz="3600"/>
           </a:p>
         </p:txBody>
       </p:sp>
@@ -10294,89 +10988,89 @@
           </a:bodyPr>
           <a:lstStyle/>
           <a:p>
-            <a:pPr indent="-381000" lvl="0" marL="457200" rtl="0" algn="l">
-              <a:spcBef>
-                <a:spcPts val="0"/>
-              </a:spcBef>
-              <a:spcAft>
-                <a:spcPts val="0"/>
-              </a:spcAft>
-              <a:buSzPts val="2400"/>
+            <a:pPr indent="-419100" lvl="0" marL="457200" rtl="0" algn="l">
+              <a:spcBef>
+                <a:spcPts val="0"/>
+              </a:spcBef>
+              <a:spcAft>
+                <a:spcPts val="0"/>
+              </a:spcAft>
+              <a:buSzPts val="3000"/>
               <a:buChar char="●"/>
             </a:pPr>
             <a:r>
-              <a:rPr lang="en" sz="2400"/>
+              <a:rPr lang="en" sz="3000"/>
               <a:t>Patients</a:t>
             </a:r>
-            <a:endParaRPr sz="2400"/>
+            <a:endParaRPr sz="3000"/>
           </a:p>
           <a:p>
-            <a:pPr indent="-381000" lvl="0" marL="457200" rtl="0" algn="l">
-              <a:spcBef>
-                <a:spcPts val="0"/>
-              </a:spcBef>
-              <a:spcAft>
-                <a:spcPts val="0"/>
-              </a:spcAft>
-              <a:buSzPts val="2400"/>
+            <a:pPr indent="-419100" lvl="0" marL="457200" rtl="0" algn="l">
+              <a:spcBef>
+                <a:spcPts val="0"/>
+              </a:spcBef>
+              <a:spcAft>
+                <a:spcPts val="0"/>
+              </a:spcAft>
+              <a:buSzPts val="3000"/>
               <a:buChar char="●"/>
             </a:pPr>
             <a:r>
-              <a:rPr lang="en" sz="2400"/>
+              <a:rPr lang="en" sz="3000"/>
               <a:t>Doctors</a:t>
             </a:r>
-            <a:endParaRPr sz="2400"/>
+            <a:endParaRPr sz="3000"/>
           </a:p>
           <a:p>
-            <a:pPr indent="-381000" lvl="0" marL="457200" rtl="0" algn="l">
-              <a:spcBef>
-                <a:spcPts val="0"/>
-              </a:spcBef>
-              <a:spcAft>
-                <a:spcPts val="0"/>
-              </a:spcAft>
-              <a:buSzPts val="2400"/>
+            <a:pPr indent="-419100" lvl="0" marL="457200" rtl="0" algn="l">
+              <a:spcBef>
+                <a:spcPts val="0"/>
+              </a:spcBef>
+              <a:spcAft>
+                <a:spcPts val="0"/>
+              </a:spcAft>
+              <a:buSzPts val="3000"/>
               <a:buChar char="●"/>
             </a:pPr>
             <a:r>
-              <a:rPr lang="en" sz="2400"/>
+              <a:rPr lang="en" sz="3000"/>
               <a:t>Nurses</a:t>
             </a:r>
-            <a:endParaRPr sz="2400"/>
+            <a:endParaRPr sz="3000"/>
           </a:p>
           <a:p>
-            <a:pPr indent="-381000" lvl="0" marL="457200" rtl="0" algn="l">
-              <a:spcBef>
-                <a:spcPts val="0"/>
-              </a:spcBef>
-              <a:spcAft>
-                <a:spcPts val="0"/>
-              </a:spcAft>
-              <a:buSzPts val="2400"/>
+            <a:pPr indent="-419100" lvl="0" marL="457200" rtl="0" algn="l">
+              <a:spcBef>
+                <a:spcPts val="0"/>
+              </a:spcBef>
+              <a:spcAft>
+                <a:spcPts val="0"/>
+              </a:spcAft>
+              <a:buSzPts val="3000"/>
               <a:buChar char="●"/>
             </a:pPr>
             <a:r>
-              <a:rPr lang="en" sz="2400"/>
+              <a:rPr lang="en" sz="3000"/>
               <a:t>First responders</a:t>
             </a:r>
-            <a:endParaRPr sz="2400"/>
+            <a:endParaRPr sz="3000"/>
           </a:p>
           <a:p>
-            <a:pPr indent="-381000" lvl="0" marL="457200" rtl="0" algn="l">
-              <a:spcBef>
-                <a:spcPts val="0"/>
-              </a:spcBef>
-              <a:spcAft>
-                <a:spcPts val="0"/>
-              </a:spcAft>
-              <a:buSzPts val="2400"/>
+            <a:pPr indent="-419100" lvl="0" marL="457200" rtl="0" algn="l">
+              <a:spcBef>
+                <a:spcPts val="0"/>
+              </a:spcBef>
+              <a:spcAft>
+                <a:spcPts val="0"/>
+              </a:spcAft>
+              <a:buSzPts val="3000"/>
               <a:buChar char="●"/>
             </a:pPr>
             <a:r>
-              <a:rPr lang="en" sz="2400"/>
+              <a:rPr lang="en" sz="3000"/>
               <a:t>Anyone</a:t>
             </a:r>
-            <a:endParaRPr sz="2400"/>
+            <a:endParaRPr sz="3000"/>
           </a:p>
         </p:txBody>
       </p:sp>
@@ -10438,10 +11132,14 @@
               <a:buNone/>
             </a:pPr>
             <a:r>
-              <a:rPr lang="en"/>
-              <a:t>Tech </a:t>
+              <a:rPr lang="en" sz="3600"/>
+              <a:t>Tech</a:t>
             </a:r>
-            <a:endParaRPr/>
+            <a:r>
+              <a:rPr lang="en" sz="3000"/>
+              <a:t> </a:t>
+            </a:r>
+            <a:endParaRPr sz="3000"/>
           </a:p>
         </p:txBody>
       </p:sp>
@@ -10566,23 +11264,6 @@
             <a:r>
               <a:rPr lang="en" sz="2400"/>
               <a:t>WASD keys</a:t>
-            </a:r>
-            <a:endParaRPr sz="2400"/>
-          </a:p>
-          <a:p>
-            <a:pPr indent="-381000" lvl="0" marL="457200" rtl="0" algn="l">
-              <a:spcBef>
-                <a:spcPts val="0"/>
-              </a:spcBef>
-              <a:spcAft>
-                <a:spcPts val="0"/>
-              </a:spcAft>
-              <a:buSzPts val="2400"/>
-              <a:buChar char="●"/>
-            </a:pPr>
-            <a:r>
-              <a:rPr lang="en" sz="2400"/>
-              <a:t>Alphabet</a:t>
             </a:r>
             <a:endParaRPr sz="2400"/>
           </a:p>
@@ -10646,10 +11327,10 @@
               <a:buNone/>
             </a:pPr>
             <a:r>
-              <a:rPr lang="en"/>
+              <a:rPr lang="en" sz="3600"/>
               <a:t>Where</a:t>
             </a:r>
-            <a:endParaRPr/>
+            <a:endParaRPr sz="3600"/>
           </a:p>
         </p:txBody>
       </p:sp>
@@ -10676,72 +11357,55 @@
           </a:bodyPr>
           <a:lstStyle/>
           <a:p>
-            <a:pPr indent="-381000" lvl="0" marL="457200" rtl="0" algn="l">
-              <a:spcBef>
-                <a:spcPts val="0"/>
-              </a:spcBef>
-              <a:spcAft>
-                <a:spcPts val="0"/>
-              </a:spcAft>
-              <a:buSzPts val="2400"/>
+            <a:pPr indent="-419100" lvl="0" marL="457200" rtl="0" algn="l">
+              <a:spcBef>
+                <a:spcPts val="0"/>
+              </a:spcBef>
+              <a:spcAft>
+                <a:spcPts val="0"/>
+              </a:spcAft>
+              <a:buSzPts val="3000"/>
               <a:buChar char="●"/>
             </a:pPr>
             <a:r>
-              <a:rPr lang="en" sz="2400"/>
+              <a:rPr lang="en" sz="3000"/>
               <a:t>In the ambulance </a:t>
             </a:r>
-            <a:endParaRPr sz="2400"/>
+            <a:endParaRPr sz="3000"/>
           </a:p>
           <a:p>
-            <a:pPr indent="-381000" lvl="0" marL="457200" rtl="0" algn="l">
-              <a:spcBef>
-                <a:spcPts val="0"/>
-              </a:spcBef>
-              <a:spcAft>
-                <a:spcPts val="0"/>
-              </a:spcAft>
-              <a:buSzPts val="2400"/>
+            <a:pPr indent="-419100" lvl="0" marL="457200" rtl="0" algn="l">
+              <a:spcBef>
+                <a:spcPts val="0"/>
+              </a:spcBef>
+              <a:spcAft>
+                <a:spcPts val="0"/>
+              </a:spcAft>
+              <a:buSzPts val="3000"/>
               <a:buChar char="●"/>
             </a:pPr>
             <a:r>
-              <a:rPr lang="en" sz="2400"/>
+              <a:rPr lang="en" sz="3000"/>
               <a:t>In the ER</a:t>
             </a:r>
-            <a:endParaRPr sz="2400"/>
+            <a:endParaRPr sz="3000"/>
           </a:p>
           <a:p>
-            <a:pPr indent="-381000" lvl="0" marL="457200" rtl="0" algn="l">
-              <a:spcBef>
-                <a:spcPts val="0"/>
-              </a:spcBef>
-              <a:spcAft>
-                <a:spcPts val="0"/>
-              </a:spcAft>
-              <a:buSzPts val="2400"/>
+            <a:pPr indent="-419100" lvl="0" marL="457200" rtl="0" algn="l">
+              <a:spcBef>
+                <a:spcPts val="0"/>
+              </a:spcBef>
+              <a:spcAft>
+                <a:spcPts val="0"/>
+              </a:spcAft>
+              <a:buSzPts val="3000"/>
               <a:buChar char="●"/>
             </a:pPr>
             <a:r>
-              <a:rPr lang="en" sz="2400"/>
-              <a:t>Inpatient</a:t>
+              <a:rPr lang="en" sz="3000"/>
+              <a:t>Extended stays in the hospital</a:t>
             </a:r>
-            <a:endParaRPr sz="2400"/>
-          </a:p>
-          <a:p>
-            <a:pPr indent="-381000" lvl="0" marL="457200" rtl="0" algn="l">
-              <a:spcBef>
-                <a:spcPts val="0"/>
-              </a:spcBef>
-              <a:spcAft>
-                <a:spcPts val="0"/>
-              </a:spcAft>
-              <a:buSzPts val="2400"/>
-              <a:buChar char="●"/>
-            </a:pPr>
-            <a:r>
-              <a:rPr lang="en" sz="2400"/>
-              <a:t>Outpatient</a:t>
-            </a:r>
-            <a:endParaRPr sz="2400"/>
+            <a:endParaRPr sz="3000"/>
           </a:p>
         </p:txBody>
       </p:sp>
@@ -10803,10 +11467,10 @@
               <a:buNone/>
             </a:pPr>
             <a:r>
-              <a:rPr lang="en"/>
+              <a:rPr lang="en" sz="3600"/>
               <a:t>Why</a:t>
             </a:r>
-            <a:endParaRPr/>
+            <a:endParaRPr sz="3600"/>
           </a:p>
         </p:txBody>
       </p:sp>
@@ -10833,93 +11497,59 @@
           </a:bodyPr>
           <a:lstStyle/>
           <a:p>
-            <a:pPr indent="-381000" lvl="0" marL="457200" rtl="0" algn="l">
-              <a:spcBef>
-                <a:spcPts val="0"/>
-              </a:spcBef>
-              <a:spcAft>
-                <a:spcPts val="0"/>
-              </a:spcAft>
-              <a:buSzPts val="2400"/>
+            <a:pPr indent="-419100" lvl="0" marL="457200" rtl="0" algn="l">
+              <a:spcBef>
+                <a:spcPts val="0"/>
+              </a:spcBef>
+              <a:spcAft>
+                <a:spcPts val="0"/>
+              </a:spcAft>
+              <a:buSzPts val="3000"/>
               <a:buChar char="●"/>
             </a:pPr>
             <a:r>
-              <a:rPr lang="en" sz="2400"/>
+              <a:rPr lang="en" sz="3000"/>
               <a:t>Efficient</a:t>
             </a:r>
             <a:r>
-              <a:rPr lang="en" sz="2400"/>
+              <a:rPr lang="en" sz="3000"/>
               <a:t> and fast communication</a:t>
             </a:r>
-            <a:endParaRPr sz="2400"/>
+            <a:endParaRPr sz="3000"/>
           </a:p>
           <a:p>
-            <a:pPr indent="-381000" lvl="0" marL="457200" rtl="0" algn="l">
-              <a:spcBef>
-                <a:spcPts val="0"/>
-              </a:spcBef>
-              <a:spcAft>
-                <a:spcPts val="0"/>
-              </a:spcAft>
-              <a:buSzPts val="2400"/>
+            <a:pPr indent="-419100" lvl="0" marL="457200" rtl="0" algn="l">
+              <a:spcBef>
+                <a:spcPts val="0"/>
+              </a:spcBef>
+              <a:spcAft>
+                <a:spcPts val="0"/>
+              </a:spcAft>
+              <a:buSzPts val="3000"/>
               <a:buChar char="●"/>
             </a:pPr>
             <a:r>
-              <a:rPr lang="en" sz="2400"/>
+              <a:rPr lang="en" sz="3000"/>
               <a:t>Portable and easy to understand</a:t>
             </a:r>
-            <a:endParaRPr sz="2400"/>
+            <a:endParaRPr sz="3000"/>
           </a:p>
           <a:p>
-            <a:pPr indent="-381000" lvl="0" marL="457200" rtl="0" algn="l">
-              <a:spcBef>
-                <a:spcPts val="0"/>
-              </a:spcBef>
-              <a:spcAft>
-                <a:spcPts val="0"/>
-              </a:spcAft>
-              <a:buSzPts val="2400"/>
+            <a:pPr indent="-419100" lvl="0" marL="457200" rtl="0" algn="l">
+              <a:spcBef>
+                <a:spcPts val="0"/>
+              </a:spcBef>
+              <a:spcAft>
+                <a:spcPts val="0"/>
+              </a:spcAft>
+              <a:buSzPts val="3000"/>
               <a:buChar char="●"/>
             </a:pPr>
             <a:r>
-              <a:rPr lang="en" sz="2400"/>
-              <a:t>Scenario or user story</a:t>
-            </a:r>
-            <a:endParaRPr sz="2400"/>
-          </a:p>
-          <a:p>
-            <a:pPr indent="-381000" lvl="0" marL="457200" rtl="0" algn="l">
-              <a:spcBef>
-                <a:spcPts val="0"/>
-              </a:spcBef>
-              <a:spcAft>
-                <a:spcPts val="0"/>
-              </a:spcAft>
-              <a:buSzPts val="2400"/>
-              <a:buChar char="●"/>
-            </a:pPr>
-            <a:r>
-              <a:rPr lang="en" sz="2400"/>
+              <a:rPr lang="en" sz="3000"/>
               <a:t>A patient with no means of verbal communication</a:t>
             </a:r>
-            <a:endParaRPr sz="2400"/>
-          </a:p>
-          <a:p>
-            <a:pPr indent="-381000" lvl="0" marL="457200" rtl="0" algn="l">
-              <a:spcBef>
-                <a:spcPts val="0"/>
-              </a:spcBef>
-              <a:spcAft>
-                <a:spcPts val="0"/>
-              </a:spcAft>
-              <a:buSzPts val="2400"/>
-              <a:buChar char="●"/>
-            </a:pPr>
-            <a:r>
-              <a:rPr lang="en" sz="2400"/>
-              <a:t>scenario</a:t>
-            </a:r>
-            <a:endParaRPr sz="2400"/>
+            <a:endParaRPr sz="3000"/>
           </a:p>
         </p:txBody>
       </p:sp>
@@ -10981,16 +11611,544 @@
               <a:buNone/>
             </a:pPr>
             <a:r>
-              <a:rPr lang="en"/>
-              <a:t>Context Diagram</a:t>
+              <a:rPr lang="en" sz="3600"/>
+              <a:t>Medical Questions</a:t>
+            </a:r>
+            <a:endParaRPr sz="3600"/>
+          </a:p>
+        </p:txBody>
+      </p:sp>
+      <p:sp>
+        <p:nvSpPr>
+          <p:cNvPr id="171" name="Google Shape;171;p19"/>
+          <p:cNvSpPr txBox="1"/>
+          <p:nvPr>
+            <p:ph idx="1" type="body"/>
+          </p:nvPr>
+        </p:nvSpPr>
+        <p:spPr>
+          <a:xfrm>
+            <a:off x="777000" y="1307850"/>
+            <a:ext cx="3795000" cy="2911200"/>
+          </a:xfrm>
+          <a:prstGeom prst="rect">
+            <a:avLst/>
+          </a:prstGeom>
+        </p:spPr>
+        <p:txBody>
+          <a:bodyPr anchorCtr="0" anchor="t" bIns="91425" lIns="91425" spcFirstLastPara="1" rIns="91425" wrap="square" tIns="91425">
+            <a:noAutofit/>
+          </a:bodyPr>
+          <a:lstStyle/>
+          <a:p>
+            <a:pPr indent="-419100" lvl="0" marL="457200" rtl="0" algn="l">
+              <a:spcBef>
+                <a:spcPts val="0"/>
+              </a:spcBef>
+              <a:spcAft>
+                <a:spcPts val="0"/>
+              </a:spcAft>
+              <a:buSzPts val="3000"/>
+              <a:buChar char="●"/>
+            </a:pPr>
+            <a:r>
+              <a:rPr lang="en" sz="3000"/>
+              <a:t>Sample</a:t>
+            </a:r>
+            <a:endParaRPr sz="3000"/>
+          </a:p>
+          <a:p>
+            <a:pPr indent="-381000" lvl="1" marL="914400" rtl="0" algn="l">
+              <a:spcBef>
+                <a:spcPts val="0"/>
+              </a:spcBef>
+              <a:spcAft>
+                <a:spcPts val="0"/>
+              </a:spcAft>
+              <a:buSzPts val="2400"/>
+              <a:buChar char="○"/>
+            </a:pPr>
+            <a:r>
+              <a:rPr lang="en" sz="2400"/>
+              <a:t>Signs &amp; Symptoms</a:t>
+            </a:r>
+            <a:endParaRPr sz="2400"/>
+          </a:p>
+          <a:p>
+            <a:pPr indent="-381000" lvl="1" marL="914400" rtl="0" algn="l">
+              <a:spcBef>
+                <a:spcPts val="0"/>
+              </a:spcBef>
+              <a:spcAft>
+                <a:spcPts val="0"/>
+              </a:spcAft>
+              <a:buSzPts val="2400"/>
+              <a:buChar char="○"/>
+            </a:pPr>
+            <a:r>
+              <a:rPr lang="en" sz="2400"/>
+              <a:t>Allergies</a:t>
+            </a:r>
+            <a:endParaRPr sz="2400"/>
+          </a:p>
+          <a:p>
+            <a:pPr indent="-381000" lvl="1" marL="914400" rtl="0" algn="l">
+              <a:spcBef>
+                <a:spcPts val="0"/>
+              </a:spcBef>
+              <a:spcAft>
+                <a:spcPts val="0"/>
+              </a:spcAft>
+              <a:buSzPts val="2400"/>
+              <a:buChar char="○"/>
+            </a:pPr>
+            <a:r>
+              <a:rPr lang="en" sz="2400"/>
+              <a:t>Medications</a:t>
+            </a:r>
+            <a:endParaRPr sz="2400"/>
+          </a:p>
+          <a:p>
+            <a:pPr indent="-381000" lvl="1" marL="914400" rtl="0" algn="l">
+              <a:spcBef>
+                <a:spcPts val="0"/>
+              </a:spcBef>
+              <a:spcAft>
+                <a:spcPts val="0"/>
+              </a:spcAft>
+              <a:buSzPts val="2400"/>
+              <a:buChar char="○"/>
+            </a:pPr>
+            <a:r>
+              <a:rPr lang="en" sz="2400"/>
+              <a:t>Past medical history</a:t>
+            </a:r>
+            <a:endParaRPr sz="2400"/>
+          </a:p>
+          <a:p>
+            <a:pPr indent="-381000" lvl="1" marL="914400" rtl="0" algn="l">
+              <a:spcBef>
+                <a:spcPts val="0"/>
+              </a:spcBef>
+              <a:spcAft>
+                <a:spcPts val="0"/>
+              </a:spcAft>
+              <a:buSzPts val="2400"/>
+              <a:buChar char="○"/>
+            </a:pPr>
+            <a:r>
+              <a:rPr lang="en" sz="2400"/>
+              <a:t>Last oral intake</a:t>
+            </a:r>
+            <a:endParaRPr sz="2400"/>
+          </a:p>
+          <a:p>
+            <a:pPr indent="-381000" lvl="1" marL="914400" rtl="0" algn="l">
+              <a:spcBef>
+                <a:spcPts val="0"/>
+              </a:spcBef>
+              <a:spcAft>
+                <a:spcPts val="0"/>
+              </a:spcAft>
+              <a:buSzPts val="2400"/>
+              <a:buChar char="○"/>
+            </a:pPr>
+            <a:r>
+              <a:rPr lang="en" sz="2400"/>
+              <a:t>Events leading up to</a:t>
+            </a:r>
+            <a:endParaRPr sz="2400"/>
+          </a:p>
+          <a:p>
+            <a:pPr indent="0" lvl="0" marL="914400" rtl="0" algn="l">
+              <a:spcBef>
+                <a:spcPts val="1600"/>
+              </a:spcBef>
+              <a:spcAft>
+                <a:spcPts val="1600"/>
+              </a:spcAft>
+              <a:buNone/>
+            </a:pPr>
+            <a:r>
+              <a:t/>
             </a:r>
             <a:endParaRPr/>
           </a:p>
         </p:txBody>
       </p:sp>
+      <p:sp>
+        <p:nvSpPr>
+          <p:cNvPr id="172" name="Google Shape;172;p19"/>
+          <p:cNvSpPr txBox="1"/>
+          <p:nvPr/>
+        </p:nvSpPr>
+        <p:spPr>
+          <a:xfrm>
+            <a:off x="4572000" y="1307850"/>
+            <a:ext cx="3696000" cy="3039900"/>
+          </a:xfrm>
+          <a:prstGeom prst="rect">
+            <a:avLst/>
+          </a:prstGeom>
+          <a:noFill/>
+          <a:ln>
+            <a:noFill/>
+          </a:ln>
+        </p:spPr>
+        <p:txBody>
+          <a:bodyPr anchorCtr="0" anchor="t" bIns="91425" lIns="91425" spcFirstLastPara="1" rIns="91425" wrap="square" tIns="91425">
+            <a:noAutofit/>
+          </a:bodyPr>
+          <a:lstStyle/>
+          <a:p>
+            <a:pPr indent="-419100" lvl="0" marL="457200" rtl="0" algn="l">
+              <a:lnSpc>
+                <a:spcPct val="115000"/>
+              </a:lnSpc>
+              <a:spcBef>
+                <a:spcPts val="0"/>
+              </a:spcBef>
+              <a:spcAft>
+                <a:spcPts val="0"/>
+              </a:spcAft>
+              <a:buClr>
+                <a:schemeClr val="lt1"/>
+              </a:buClr>
+              <a:buSzPts val="3000"/>
+              <a:buFont typeface="Lato"/>
+              <a:buChar char="●"/>
+            </a:pPr>
+            <a:r>
+              <a:rPr lang="en" sz="3000">
+                <a:solidFill>
+                  <a:schemeClr val="lt1"/>
+                </a:solidFill>
+                <a:latin typeface="Lato"/>
+                <a:ea typeface="Lato"/>
+                <a:cs typeface="Lato"/>
+                <a:sym typeface="Lato"/>
+              </a:rPr>
+              <a:t>OPQRST</a:t>
+            </a:r>
+            <a:endParaRPr sz="3000">
+              <a:solidFill>
+                <a:schemeClr val="lt1"/>
+              </a:solidFill>
+              <a:latin typeface="Lato"/>
+              <a:ea typeface="Lato"/>
+              <a:cs typeface="Lato"/>
+              <a:sym typeface="Lato"/>
+            </a:endParaRPr>
+          </a:p>
+          <a:p>
+            <a:pPr indent="-381000" lvl="1" marL="914400" rtl="0" algn="l">
+              <a:lnSpc>
+                <a:spcPct val="115000"/>
+              </a:lnSpc>
+              <a:spcBef>
+                <a:spcPts val="0"/>
+              </a:spcBef>
+              <a:spcAft>
+                <a:spcPts val="0"/>
+              </a:spcAft>
+              <a:buClr>
+                <a:schemeClr val="lt1"/>
+              </a:buClr>
+              <a:buSzPts val="2400"/>
+              <a:buFont typeface="Lato"/>
+              <a:buChar char="○"/>
+            </a:pPr>
+            <a:r>
+              <a:rPr lang="en" sz="2400">
+                <a:solidFill>
+                  <a:schemeClr val="lt1"/>
+                </a:solidFill>
+                <a:latin typeface="Lato"/>
+                <a:ea typeface="Lato"/>
+                <a:cs typeface="Lato"/>
+                <a:sym typeface="Lato"/>
+              </a:rPr>
+              <a:t>Onset</a:t>
+            </a:r>
+            <a:endParaRPr sz="2400">
+              <a:solidFill>
+                <a:schemeClr val="lt1"/>
+              </a:solidFill>
+              <a:latin typeface="Lato"/>
+              <a:ea typeface="Lato"/>
+              <a:cs typeface="Lato"/>
+              <a:sym typeface="Lato"/>
+            </a:endParaRPr>
+          </a:p>
+          <a:p>
+            <a:pPr indent="-381000" lvl="1" marL="914400" rtl="0" algn="l">
+              <a:lnSpc>
+                <a:spcPct val="115000"/>
+              </a:lnSpc>
+              <a:spcBef>
+                <a:spcPts val="0"/>
+              </a:spcBef>
+              <a:spcAft>
+                <a:spcPts val="0"/>
+              </a:spcAft>
+              <a:buClr>
+                <a:schemeClr val="lt1"/>
+              </a:buClr>
+              <a:buSzPts val="2400"/>
+              <a:buFont typeface="Lato"/>
+              <a:buChar char="○"/>
+            </a:pPr>
+            <a:r>
+              <a:rPr lang="en" sz="2400">
+                <a:solidFill>
+                  <a:schemeClr val="lt1"/>
+                </a:solidFill>
+                <a:latin typeface="Lato"/>
+                <a:ea typeface="Lato"/>
+                <a:cs typeface="Lato"/>
+                <a:sym typeface="Lato"/>
+              </a:rPr>
+              <a:t>Provocation</a:t>
+            </a:r>
+            <a:endParaRPr sz="2400">
+              <a:solidFill>
+                <a:schemeClr val="lt1"/>
+              </a:solidFill>
+              <a:latin typeface="Lato"/>
+              <a:ea typeface="Lato"/>
+              <a:cs typeface="Lato"/>
+              <a:sym typeface="Lato"/>
+            </a:endParaRPr>
+          </a:p>
+          <a:p>
+            <a:pPr indent="-381000" lvl="1" marL="914400" rtl="0" algn="l">
+              <a:lnSpc>
+                <a:spcPct val="115000"/>
+              </a:lnSpc>
+              <a:spcBef>
+                <a:spcPts val="0"/>
+              </a:spcBef>
+              <a:spcAft>
+                <a:spcPts val="0"/>
+              </a:spcAft>
+              <a:buClr>
+                <a:schemeClr val="lt1"/>
+              </a:buClr>
+              <a:buSzPts val="2400"/>
+              <a:buFont typeface="Lato"/>
+              <a:buChar char="○"/>
+            </a:pPr>
+            <a:r>
+              <a:rPr lang="en" sz="2400">
+                <a:solidFill>
+                  <a:schemeClr val="lt1"/>
+                </a:solidFill>
+                <a:latin typeface="Lato"/>
+                <a:ea typeface="Lato"/>
+                <a:cs typeface="Lato"/>
+                <a:sym typeface="Lato"/>
+              </a:rPr>
+              <a:t>Quality</a:t>
+            </a:r>
+            <a:endParaRPr sz="2400">
+              <a:solidFill>
+                <a:schemeClr val="lt1"/>
+              </a:solidFill>
+              <a:latin typeface="Lato"/>
+              <a:ea typeface="Lato"/>
+              <a:cs typeface="Lato"/>
+              <a:sym typeface="Lato"/>
+            </a:endParaRPr>
+          </a:p>
+          <a:p>
+            <a:pPr indent="-381000" lvl="1" marL="914400" rtl="0" algn="l">
+              <a:lnSpc>
+                <a:spcPct val="115000"/>
+              </a:lnSpc>
+              <a:spcBef>
+                <a:spcPts val="0"/>
+              </a:spcBef>
+              <a:spcAft>
+                <a:spcPts val="0"/>
+              </a:spcAft>
+              <a:buClr>
+                <a:schemeClr val="lt1"/>
+              </a:buClr>
+              <a:buSzPts val="2400"/>
+              <a:buFont typeface="Lato"/>
+              <a:buChar char="○"/>
+            </a:pPr>
+            <a:r>
+              <a:rPr lang="en" sz="2400">
+                <a:solidFill>
+                  <a:schemeClr val="lt1"/>
+                </a:solidFill>
+                <a:latin typeface="Lato"/>
+                <a:ea typeface="Lato"/>
+                <a:cs typeface="Lato"/>
+                <a:sym typeface="Lato"/>
+              </a:rPr>
+              <a:t>Radiation</a:t>
+            </a:r>
+            <a:endParaRPr sz="2400">
+              <a:solidFill>
+                <a:schemeClr val="lt1"/>
+              </a:solidFill>
+              <a:latin typeface="Lato"/>
+              <a:ea typeface="Lato"/>
+              <a:cs typeface="Lato"/>
+              <a:sym typeface="Lato"/>
+            </a:endParaRPr>
+          </a:p>
+          <a:p>
+            <a:pPr indent="-381000" lvl="1" marL="914400" rtl="0" algn="l">
+              <a:lnSpc>
+                <a:spcPct val="115000"/>
+              </a:lnSpc>
+              <a:spcBef>
+                <a:spcPts val="0"/>
+              </a:spcBef>
+              <a:spcAft>
+                <a:spcPts val="0"/>
+              </a:spcAft>
+              <a:buClr>
+                <a:schemeClr val="lt1"/>
+              </a:buClr>
+              <a:buSzPts val="2400"/>
+              <a:buFont typeface="Lato"/>
+              <a:buChar char="○"/>
+            </a:pPr>
+            <a:r>
+              <a:rPr lang="en" sz="2400">
+                <a:solidFill>
+                  <a:schemeClr val="lt1"/>
+                </a:solidFill>
+                <a:latin typeface="Lato"/>
+                <a:ea typeface="Lato"/>
+                <a:cs typeface="Lato"/>
+                <a:sym typeface="Lato"/>
+              </a:rPr>
+              <a:t>Severity</a:t>
+            </a:r>
+            <a:endParaRPr sz="2400">
+              <a:solidFill>
+                <a:schemeClr val="lt1"/>
+              </a:solidFill>
+              <a:latin typeface="Lato"/>
+              <a:ea typeface="Lato"/>
+              <a:cs typeface="Lato"/>
+              <a:sym typeface="Lato"/>
+            </a:endParaRPr>
+          </a:p>
+          <a:p>
+            <a:pPr indent="-381000" lvl="1" marL="914400" rtl="0" algn="l">
+              <a:lnSpc>
+                <a:spcPct val="115000"/>
+              </a:lnSpc>
+              <a:spcBef>
+                <a:spcPts val="0"/>
+              </a:spcBef>
+              <a:spcAft>
+                <a:spcPts val="0"/>
+              </a:spcAft>
+              <a:buClr>
+                <a:schemeClr val="lt1"/>
+              </a:buClr>
+              <a:buSzPts val="2400"/>
+              <a:buFont typeface="Lato"/>
+              <a:buChar char="○"/>
+            </a:pPr>
+            <a:r>
+              <a:rPr lang="en" sz="2400">
+                <a:solidFill>
+                  <a:schemeClr val="lt1"/>
+                </a:solidFill>
+                <a:latin typeface="Lato"/>
+                <a:ea typeface="Lato"/>
+                <a:cs typeface="Lato"/>
+                <a:sym typeface="Lato"/>
+              </a:rPr>
+              <a:t>Timing</a:t>
+            </a:r>
+            <a:endParaRPr sz="2400">
+              <a:solidFill>
+                <a:srgbClr val="666666"/>
+              </a:solidFill>
+              <a:highlight>
+                <a:schemeClr val="lt1"/>
+              </a:highlight>
+            </a:endParaRPr>
+          </a:p>
+        </p:txBody>
+      </p:sp>
+    </p:spTree>
+  </p:cSld>
+  <p:clrMapOvr>
+    <a:masterClrMapping/>
+  </p:clrMapOvr>
+</p:sld>
+</file>
+
+<file path=ppt/slides/slide8.xml><?xml version="1.0" encoding="utf-8"?>
+<p:sld xmlns:a="http://schemas.openxmlformats.org/drawingml/2006/main" xmlns:r="http://schemas.openxmlformats.org/officeDocument/2006/relationships" xmlns:mc="http://schemas.openxmlformats.org/markup-compatibility/2006" xmlns:mv="urn:schemas-microsoft-com:mac:vml" xmlns:p="http://schemas.openxmlformats.org/presentationml/2006/main" xmlns:c="http://schemas.openxmlformats.org/drawingml/2006/chart" xmlns:dgm="http://schemas.openxmlformats.org/drawingml/2006/diagram" xmlns:o="urn:schemas-microsoft-com:office:office" xmlns:v="urn:schemas-microsoft-com:vml" xmlns:pvml="urn:schemas-microsoft-com:office:powerpoint" xmlns:com="http://schemas.openxmlformats.org/drawingml/2006/compatibility" xmlns:p14="http://schemas.microsoft.com/office/powerpoint/2010/main" xmlns:p15="http://schemas.microsoft.com/office/powerpoint/2012/main">
+  <p:cSld>
+    <p:spTree>
+      <p:nvGrpSpPr>
+        <p:cNvPr id="176" name="Shape 176"/>
+        <p:cNvGrpSpPr/>
+        <p:nvPr/>
+      </p:nvGrpSpPr>
+      <p:grpSpPr>
+        <a:xfrm>
+          <a:off x="0" y="0"/>
+          <a:ext cx="0" cy="0"/>
+          <a:chOff x="0" y="0"/>
+          <a:chExt cx="0" cy="0"/>
+        </a:xfrm>
+      </p:grpSpPr>
+      <p:sp>
+        <p:nvSpPr>
+          <p:cNvPr id="177" name="Google Shape;177;p20"/>
+          <p:cNvSpPr txBox="1"/>
+          <p:nvPr>
+            <p:ph type="title"/>
+          </p:nvPr>
+        </p:nvSpPr>
+        <p:spPr>
+          <a:xfrm>
+            <a:off x="1052538" y="53175"/>
+            <a:ext cx="7038900" cy="914100"/>
+          </a:xfrm>
+          <a:prstGeom prst="rect">
+            <a:avLst/>
+          </a:prstGeom>
+        </p:spPr>
+        <p:txBody>
+          <a:bodyPr anchorCtr="0" anchor="t" bIns="91425" lIns="91425" spcFirstLastPara="1" rIns="91425" wrap="square" tIns="91425">
+            <a:noAutofit/>
+          </a:bodyPr>
+          <a:lstStyle/>
+          <a:p>
+            <a:pPr indent="0" lvl="0" marL="0" rtl="0" algn="l">
+              <a:spcBef>
+                <a:spcPts val="0"/>
+              </a:spcBef>
+              <a:spcAft>
+                <a:spcPts val="0"/>
+              </a:spcAft>
+              <a:buNone/>
+            </a:pPr>
+            <a:r>
+              <a:rPr lang="en" sz="3600"/>
+              <a:t>Context Diagram</a:t>
+            </a:r>
+            <a:endParaRPr sz="3600"/>
+          </a:p>
+        </p:txBody>
+      </p:sp>
       <p:pic>
         <p:nvPicPr>
-          <p:cNvPr id="171" name="Google Shape;171;p19"/>
+          <p:cNvPr id="178" name="Google Shape;178;p20"/>
           <p:cNvPicPr preferRelativeResize="0"/>
           <p:nvPr/>
         </p:nvPicPr>
@@ -11004,8 +12162,8 @@
         </p:blipFill>
         <p:spPr>
           <a:xfrm>
-            <a:off x="1493875" y="1473725"/>
-            <a:ext cx="5943600" cy="2686050"/>
+            <a:off x="475388" y="803450"/>
+            <a:ext cx="8193226" cy="4187650"/>
           </a:xfrm>
           <a:prstGeom prst="rect">
             <a:avLst/>
@@ -11024,12 +12182,12 @@
 </p:sld>
 </file>
 
-<file path=ppt/slides/slide8.xml><?xml version="1.0" encoding="utf-8"?>
+<file path=ppt/slides/slide9.xml><?xml version="1.0" encoding="utf-8"?>
 <p:sld xmlns:a="http://schemas.openxmlformats.org/drawingml/2006/main" xmlns:r="http://schemas.openxmlformats.org/officeDocument/2006/relationships" xmlns:mc="http://schemas.openxmlformats.org/markup-compatibility/2006" xmlns:mv="urn:schemas-microsoft-com:mac:vml" xmlns:p="http://schemas.openxmlformats.org/presentationml/2006/main" xmlns:c="http://schemas.openxmlformats.org/drawingml/2006/chart" xmlns:dgm="http://schemas.openxmlformats.org/drawingml/2006/diagram" xmlns:o="urn:schemas-microsoft-com:office:office" xmlns:v="urn:schemas-microsoft-com:vml" xmlns:pvml="urn:schemas-microsoft-com:office:powerpoint" xmlns:com="http://schemas.openxmlformats.org/drawingml/2006/compatibility" xmlns:p14="http://schemas.microsoft.com/office/powerpoint/2010/main" xmlns:p15="http://schemas.microsoft.com/office/powerpoint/2012/main">
   <p:cSld>
     <p:spTree>
       <p:nvGrpSpPr>
-        <p:cNvPr id="175" name="Shape 175"/>
+        <p:cNvPr id="182" name="Shape 182"/>
         <p:cNvGrpSpPr/>
         <p:nvPr/>
       </p:nvGrpSpPr>
@@ -11043,7 +12201,7 @@
       </p:grpSpPr>
       <p:sp>
         <p:nvSpPr>
-          <p:cNvPr id="176" name="Google Shape;176;p20"/>
+          <p:cNvPr id="183" name="Google Shape;183;p21"/>
           <p:cNvSpPr txBox="1"/>
           <p:nvPr>
             <p:ph type="title"/>
@@ -11074,16 +12232,16 @@
               <a:buNone/>
             </a:pPr>
             <a:r>
-              <a:rPr lang="en"/>
-              <a:t>KEY</a:t>
+              <a:rPr lang="en" sz="3600"/>
+              <a:t>Key</a:t>
             </a:r>
-            <a:endParaRPr/>
+            <a:endParaRPr sz="3600"/>
           </a:p>
         </p:txBody>
       </p:sp>
       <p:pic>
         <p:nvPicPr>
-          <p:cNvPr id="177" name="Google Shape;177;p20"/>
+          <p:cNvPr id="184" name="Google Shape;184;p21"/>
           <p:cNvPicPr preferRelativeResize="0"/>
           <p:nvPr/>
         </p:nvPicPr>
@@ -11109,110 +12267,6 @@
           </a:ln>
         </p:spPr>
       </p:pic>
-    </p:spTree>
-  </p:cSld>
-  <p:clrMapOvr>
-    <a:masterClrMapping/>
-  </p:clrMapOvr>
-</p:sld>
-</file>
-
-<file path=ppt/slides/slide9.xml><?xml version="1.0" encoding="utf-8"?>
-<p:sld xmlns:a="http://schemas.openxmlformats.org/drawingml/2006/main" xmlns:r="http://schemas.openxmlformats.org/officeDocument/2006/relationships" xmlns:mc="http://schemas.openxmlformats.org/markup-compatibility/2006" xmlns:mv="urn:schemas-microsoft-com:mac:vml" xmlns:p="http://schemas.openxmlformats.org/presentationml/2006/main" xmlns:c="http://schemas.openxmlformats.org/drawingml/2006/chart" xmlns:dgm="http://schemas.openxmlformats.org/drawingml/2006/diagram" xmlns:o="urn:schemas-microsoft-com:office:office" xmlns:v="urn:schemas-microsoft-com:vml" xmlns:pvml="urn:schemas-microsoft-com:office:powerpoint" xmlns:com="http://schemas.openxmlformats.org/drawingml/2006/compatibility" xmlns:p14="http://schemas.microsoft.com/office/powerpoint/2010/main" xmlns:p15="http://schemas.microsoft.com/office/powerpoint/2012/main">
-  <p:cSld>
-    <p:spTree>
-      <p:nvGrpSpPr>
-        <p:cNvPr id="181" name="Shape 181"/>
-        <p:cNvGrpSpPr/>
-        <p:nvPr/>
-      </p:nvGrpSpPr>
-      <p:grpSpPr>
-        <a:xfrm>
-          <a:off x="0" y="0"/>
-          <a:ext cx="0" cy="0"/>
-          <a:chOff x="0" y="0"/>
-          <a:chExt cx="0" cy="0"/>
-        </a:xfrm>
-      </p:grpSpPr>
-      <p:sp>
-        <p:nvSpPr>
-          <p:cNvPr id="182" name="Google Shape;182;p21"/>
-          <p:cNvSpPr txBox="1"/>
-          <p:nvPr>
-            <p:ph type="title"/>
-          </p:nvPr>
-        </p:nvSpPr>
-        <p:spPr>
-          <a:xfrm>
-            <a:off x="1297500" y="393750"/>
-            <a:ext cx="7038900" cy="914100"/>
-          </a:xfrm>
-          <a:prstGeom prst="rect">
-            <a:avLst/>
-          </a:prstGeom>
-        </p:spPr>
-        <p:txBody>
-          <a:bodyPr anchorCtr="0" anchor="t" bIns="91425" lIns="91425" spcFirstLastPara="1" rIns="91425" wrap="square" tIns="91425">
-            <a:noAutofit/>
-          </a:bodyPr>
-          <a:lstStyle/>
-          <a:p>
-            <a:pPr indent="0" lvl="0" marL="0" rtl="0" algn="l">
-              <a:spcBef>
-                <a:spcPts val="0"/>
-              </a:spcBef>
-              <a:spcAft>
-                <a:spcPts val="0"/>
-              </a:spcAft>
-              <a:buNone/>
-            </a:pPr>
-            <a:r>
-              <a:rPr lang="en"/>
-              <a:t>Demo</a:t>
-            </a:r>
-            <a:endParaRPr/>
-          </a:p>
-        </p:txBody>
-      </p:sp>
-      <p:sp>
-        <p:nvSpPr>
-          <p:cNvPr id="183" name="Google Shape;183;p21"/>
-          <p:cNvSpPr txBox="1"/>
-          <p:nvPr>
-            <p:ph idx="1" type="body"/>
-          </p:nvPr>
-        </p:nvSpPr>
-        <p:spPr>
-          <a:xfrm>
-            <a:off x="1297500" y="1567550"/>
-            <a:ext cx="7038900" cy="2911200"/>
-          </a:xfrm>
-          <a:prstGeom prst="rect">
-            <a:avLst/>
-          </a:prstGeom>
-        </p:spPr>
-        <p:txBody>
-          <a:bodyPr anchorCtr="0" anchor="t" bIns="91425" lIns="91425" spcFirstLastPara="1" rIns="91425" wrap="square" tIns="91425">
-            <a:noAutofit/>
-          </a:bodyPr>
-          <a:lstStyle/>
-          <a:p>
-            <a:pPr indent="0" lvl="0" marL="0" rtl="0" algn="l">
-              <a:spcBef>
-                <a:spcPts val="0"/>
-              </a:spcBef>
-              <a:spcAft>
-                <a:spcPts val="1600"/>
-              </a:spcAft>
-              <a:buNone/>
-            </a:pPr>
-            <a:r>
-              <a:t/>
-            </a:r>
-            <a:endParaRPr/>
-          </a:p>
-        </p:txBody>
-      </p:sp>
     </p:spTree>
   </p:cSld>
   <p:clrMapOvr>
